--- a/Template_project.pptx
+++ b/Template_project.pptx
@@ -10,15 +10,14 @@
   </p:notesMasterIdLst>
   <p:sldIdLst>
     <p:sldId id="256" r:id="rId4"/>
-    <p:sldId id="257" r:id="rId5"/>
-    <p:sldId id="264" r:id="rId6"/>
+    <p:sldId id="264" r:id="rId5"/>
+    <p:sldId id="257" r:id="rId6"/>
     <p:sldId id="267" r:id="rId7"/>
     <p:sldId id="258" r:id="rId8"/>
     <p:sldId id="266" r:id="rId9"/>
-    <p:sldId id="260" r:id="rId10"/>
-    <p:sldId id="261" r:id="rId11"/>
-    <p:sldId id="262" r:id="rId12"/>
-    <p:sldId id="263" r:id="rId13"/>
+    <p:sldId id="263" r:id="rId10"/>
+    <p:sldId id="260" r:id="rId11"/>
+    <p:sldId id="261" r:id="rId12"/>
   </p:sldIdLst>
   <p:sldSz cx="9144000" cy="5143500" type="screen16x9"/>
   <p:notesSz cx="6858000" cy="9144000"/>
@@ -809,8 +808,8 @@
 </p:notes>
 </file>
 
-<file path=ppt/notesSlides/notesSlide10.xml><?xml version="1.0" encoding="utf-8"?>
-<p:notes xmlns:a="http://schemas.openxmlformats.org/drawingml/2006/main" xmlns:r="http://schemas.openxmlformats.org/officeDocument/2006/relationships" xmlns:p="http://schemas.openxmlformats.org/presentationml/2006/main" showMasterSp="0">
+<file path=ppt/notesSlides/notesSlide2.xml><?xml version="1.0" encoding="utf-8"?>
+<p:notes xmlns:a="http://schemas.openxmlformats.org/drawingml/2006/main" xmlns:r="http://schemas.openxmlformats.org/officeDocument/2006/relationships" xmlns:p="http://schemas.openxmlformats.org/presentationml/2006/main">
   <p:cSld>
     <p:spTree>
       <p:nvGrpSpPr>
@@ -828,43 +827,22 @@
       </p:grpSpPr>
       <p:sp>
         <p:nvSpPr>
-          <p:cNvPr id="150" name="Google Shape;150;g9b7d24c5fb_0_0:notes"/>
+          <p:cNvPr id="2" name="Заполнитель изображения слайда 1"/>
           <p:cNvSpPr>
             <a:spLocks noGrp="1" noEditPoints="1"/>
           </p:cNvSpPr>
           <p:nvPr>
-            <p:ph type="sldImg" idx="2"/>
+            <p:ph type="sldImg"/>
           </p:nvPr>
         </p:nvSpPr>
         <p:spPr>
           <a:xfrm>
-            <a:off x="381300" y="685800"/>
+            <a:off x="381337" y="685800"/>
             <a:ext cx="6096000" cy="3429000"/>
           </a:xfrm>
-          <a:custGeom>
+          <a:prstGeom prst="rect">
             <a:avLst/>
-            <a:rect l="l" t="t" r="r" b="b"/>
-            <a:pathLst>
-              <a:path w="120000" h="120000">
-                <a:moveTo>
-                  <a:pt x="0" y="0"/>
-                </a:moveTo>
-                <a:lnTo>
-                  <a:pt x="120000" y="0"/>
-                </a:lnTo>
-                <a:lnTo>
-                  <a:pt x="120000" y="120000"/>
-                </a:lnTo>
-                <a:lnTo>
-                  <a:pt x="0" y="120000"/>
-                </a:lnTo>
-                <a:lnTo>
-                  <a:pt x="0" y="0"/>
-                </a:lnTo>
-                <a:close/>
-              </a:path>
-            </a:pathLst>
-          </a:custGeom>
+          </a:prstGeom>
         </p:spPr>
         <p:txBody>
           <a:bodyPr/>
@@ -874,7 +852,7 @@
       </p:sp>
       <p:sp>
         <p:nvSpPr>
-          <p:cNvPr id="151" name="Google Shape;151;g9b7d24c5fb_0_0:notes"/>
+          <p:cNvPr id="3" name="Заполнитель текста 2"/>
           <p:cNvSpPr>
             <a:spLocks noGrp="1" noEditPoints="1"/>
           </p:cNvSpPr>
@@ -883,29 +861,15 @@
           </p:nvPr>
         </p:nvSpPr>
         <p:spPr>
-          <a:xfrm>
-            <a:off x="685800" y="4343400"/>
-            <a:ext cx="5486400" cy="4114800"/>
-          </a:xfrm>
           <a:prstGeom prst="rect">
             <a:avLst/>
           </a:prstGeom>
         </p:spPr>
         <p:txBody>
-          <a:bodyPr spcFirstLastPara="1" wrap="square" lIns="91425" tIns="91425" rIns="91425" bIns="91425" anchor="t">
-            <a:noAutofit/>
-          </a:bodyPr>
+          <a:bodyPr/>
           <a:lstStyle/>
           <a:p>
-            <a:pPr marL="0" indent="0" algn="l" rtl="0">
-              <a:spcBef>
-                <a:spcPts val="0"/>
-              </a:spcBef>
-              <a:spcAft>
-                <a:spcPts val="0"/>
-              </a:spcAft>
-              <a:buNone/>
-            </a:pPr>
+            <a:endParaRPr lang="en-US"/>
           </a:p>
         </p:txBody>
       </p:sp>
@@ -917,7 +881,7 @@
 </p:notes>
 </file>
 
-<file path=ppt/notesSlides/notesSlide2.xml><?xml version="1.0" encoding="utf-8"?>
+<file path=ppt/notesSlides/notesSlide3.xml><?xml version="1.0" encoding="utf-8"?>
 <p:notes xmlns:a="http://schemas.openxmlformats.org/drawingml/2006/main" xmlns:r="http://schemas.openxmlformats.org/officeDocument/2006/relationships" xmlns:p="http://schemas.openxmlformats.org/presentationml/2006/main" showMasterSp="0">
   <p:cSld>
     <p:spTree>
@@ -1014,79 +978,6 @@
               </a:spcAft>
               <a:buNone/>
             </a:pPr>
-          </a:p>
-        </p:txBody>
-      </p:sp>
-    </p:spTree>
-  </p:cSld>
-  <p:clrMapOvr>
-    <a:masterClrMapping/>
-  </p:clrMapOvr>
-</p:notes>
-</file>
-
-<file path=ppt/notesSlides/notesSlide3.xml><?xml version="1.0" encoding="utf-8"?>
-<p:notes xmlns:a="http://schemas.openxmlformats.org/drawingml/2006/main" xmlns:r="http://schemas.openxmlformats.org/officeDocument/2006/relationships" xmlns:p="http://schemas.openxmlformats.org/presentationml/2006/main">
-  <p:cSld>
-    <p:spTree>
-      <p:nvGrpSpPr>
-        <p:cNvPr id="1" name=""/>
-        <p:cNvGrpSpPr/>
-        <p:nvPr/>
-      </p:nvGrpSpPr>
-      <p:grpSpPr>
-        <a:xfrm>
-          <a:off x="0" y="0"/>
-          <a:ext cx="0" cy="0"/>
-          <a:chOff x="0" y="0"/>
-          <a:chExt cx="0" cy="0"/>
-        </a:xfrm>
-      </p:grpSpPr>
-      <p:sp>
-        <p:nvSpPr>
-          <p:cNvPr id="2" name="Заполнитель изображения слайда 1"/>
-          <p:cNvSpPr>
-            <a:spLocks noGrp="1" noEditPoints="1"/>
-          </p:cNvSpPr>
-          <p:nvPr>
-            <p:ph type="sldImg"/>
-          </p:nvPr>
-        </p:nvSpPr>
-        <p:spPr>
-          <a:xfrm>
-            <a:off x="381337" y="685800"/>
-            <a:ext cx="6096000" cy="3429000"/>
-          </a:xfrm>
-          <a:prstGeom prst="rect">
-            <a:avLst/>
-          </a:prstGeom>
-        </p:spPr>
-        <p:txBody>
-          <a:bodyPr/>
-          <a:lstStyle/>
-          <a:p/>
-        </p:txBody>
-      </p:sp>
-      <p:sp>
-        <p:nvSpPr>
-          <p:cNvPr id="3" name="Заполнитель текста 2"/>
-          <p:cNvSpPr>
-            <a:spLocks noGrp="1" noEditPoints="1"/>
-          </p:cNvSpPr>
-          <p:nvPr>
-            <p:ph type="body" idx="1"/>
-          </p:nvPr>
-        </p:nvSpPr>
-        <p:spPr>
-          <a:prstGeom prst="rect">
-            <a:avLst/>
-          </a:prstGeom>
-        </p:spPr>
-        <p:txBody>
-          <a:bodyPr/>
-          <a:lstStyle/>
-          <a:p>
-            <a:endParaRPr lang="en-US"/>
           </a:p>
         </p:txBody>
       </p:sp>
@@ -1371,6 +1262,114 @@
       </p:grpSpPr>
       <p:sp>
         <p:nvSpPr>
+          <p:cNvPr id="150" name="Google Shape;150;g9b7d24c5fb_0_0:notes"/>
+          <p:cNvSpPr>
+            <a:spLocks noGrp="1" noEditPoints="1"/>
+          </p:cNvSpPr>
+          <p:nvPr>
+            <p:ph type="sldImg" idx="2"/>
+          </p:nvPr>
+        </p:nvSpPr>
+        <p:spPr>
+          <a:xfrm>
+            <a:off x="381300" y="685800"/>
+            <a:ext cx="6096000" cy="3429000"/>
+          </a:xfrm>
+          <a:custGeom>
+            <a:avLst/>
+            <a:rect l="l" t="t" r="r" b="b"/>
+            <a:pathLst>
+              <a:path w="120000" h="120000">
+                <a:moveTo>
+                  <a:pt x="0" y="0"/>
+                </a:moveTo>
+                <a:lnTo>
+                  <a:pt x="120000" y="0"/>
+                </a:lnTo>
+                <a:lnTo>
+                  <a:pt x="120000" y="120000"/>
+                </a:lnTo>
+                <a:lnTo>
+                  <a:pt x="0" y="120000"/>
+                </a:lnTo>
+                <a:lnTo>
+                  <a:pt x="0" y="0"/>
+                </a:lnTo>
+                <a:close/>
+              </a:path>
+            </a:pathLst>
+          </a:custGeom>
+        </p:spPr>
+        <p:txBody>
+          <a:bodyPr/>
+          <a:lstStyle/>
+          <a:p/>
+        </p:txBody>
+      </p:sp>
+      <p:sp>
+        <p:nvSpPr>
+          <p:cNvPr id="151" name="Google Shape;151;g9b7d24c5fb_0_0:notes"/>
+          <p:cNvSpPr>
+            <a:spLocks noGrp="1" noEditPoints="1"/>
+          </p:cNvSpPr>
+          <p:nvPr>
+            <p:ph type="body" idx="1"/>
+          </p:nvPr>
+        </p:nvSpPr>
+        <p:spPr>
+          <a:xfrm>
+            <a:off x="685800" y="4343400"/>
+            <a:ext cx="5486400" cy="4114800"/>
+          </a:xfrm>
+          <a:prstGeom prst="rect">
+            <a:avLst/>
+          </a:prstGeom>
+        </p:spPr>
+        <p:txBody>
+          <a:bodyPr spcFirstLastPara="1" wrap="square" lIns="91425" tIns="91425" rIns="91425" bIns="91425" anchor="t">
+            <a:noAutofit/>
+          </a:bodyPr>
+          <a:lstStyle/>
+          <a:p>
+            <a:pPr marL="0" indent="0" algn="l" rtl="0">
+              <a:spcBef>
+                <a:spcPts val="0"/>
+              </a:spcBef>
+              <a:spcAft>
+                <a:spcPts val="0"/>
+              </a:spcAft>
+              <a:buNone/>
+            </a:pPr>
+          </a:p>
+        </p:txBody>
+      </p:sp>
+    </p:spTree>
+  </p:cSld>
+  <p:clrMapOvr>
+    <a:masterClrMapping/>
+  </p:clrMapOvr>
+</p:notes>
+</file>
+
+<file path=ppt/notesSlides/notesSlide8.xml><?xml version="1.0" encoding="utf-8"?>
+<p:notes xmlns:a="http://schemas.openxmlformats.org/drawingml/2006/main" xmlns:r="http://schemas.openxmlformats.org/officeDocument/2006/relationships" xmlns:p="http://schemas.openxmlformats.org/presentationml/2006/main" showMasterSp="0">
+  <p:cSld>
+    <p:spTree>
+      <p:nvGrpSpPr>
+        <p:cNvPr id="1" name=""/>
+        <p:cNvGrpSpPr/>
+        <p:nvPr/>
+      </p:nvGrpSpPr>
+      <p:grpSpPr>
+        <a:xfrm>
+          <a:off x="0" y="0"/>
+          <a:ext cx="0" cy="0"/>
+          <a:chOff x="0" y="0"/>
+          <a:chExt cx="0" cy="0"/>
+        </a:xfrm>
+      </p:grpSpPr>
+      <p:sp>
+        <p:nvSpPr>
           <p:cNvPr id="129" name="Google Shape;129;g254111ca197_0_15:notes"/>
           <p:cNvSpPr>
             <a:spLocks noGrp="1" noEditPoints="1"/>
@@ -1460,7 +1459,7 @@
 </p:notes>
 </file>
 
-<file path=ppt/notesSlides/notesSlide8.xml><?xml version="1.0" encoding="utf-8"?>
+<file path=ppt/notesSlides/notesSlide9.xml><?xml version="1.0" encoding="utf-8"?>
 <p:notes xmlns:a="http://schemas.openxmlformats.org/drawingml/2006/main" xmlns:r="http://schemas.openxmlformats.org/officeDocument/2006/relationships" xmlns:p="http://schemas.openxmlformats.org/presentationml/2006/main" showMasterSp="0">
   <p:cSld>
     <p:spTree>
@@ -1526,114 +1525,6 @@
       <p:sp>
         <p:nvSpPr>
           <p:cNvPr id="136" name="Google Shape;136;g254111ca197_0_20:notes"/>
-          <p:cNvSpPr>
-            <a:spLocks noGrp="1" noEditPoints="1"/>
-          </p:cNvSpPr>
-          <p:nvPr>
-            <p:ph type="body" idx="1"/>
-          </p:nvPr>
-        </p:nvSpPr>
-        <p:spPr>
-          <a:xfrm>
-            <a:off x="685800" y="4343400"/>
-            <a:ext cx="5486400" cy="4114800"/>
-          </a:xfrm>
-          <a:prstGeom prst="rect">
-            <a:avLst/>
-          </a:prstGeom>
-        </p:spPr>
-        <p:txBody>
-          <a:bodyPr spcFirstLastPara="1" wrap="square" lIns="91425" tIns="91425" rIns="91425" bIns="91425" anchor="t">
-            <a:noAutofit/>
-          </a:bodyPr>
-          <a:lstStyle/>
-          <a:p>
-            <a:pPr marL="0" indent="0" algn="l" rtl="0">
-              <a:spcBef>
-                <a:spcPts val="0"/>
-              </a:spcBef>
-              <a:spcAft>
-                <a:spcPts val="0"/>
-              </a:spcAft>
-              <a:buNone/>
-            </a:pPr>
-          </a:p>
-        </p:txBody>
-      </p:sp>
-    </p:spTree>
-  </p:cSld>
-  <p:clrMapOvr>
-    <a:masterClrMapping/>
-  </p:clrMapOvr>
-</p:notes>
-</file>
-
-<file path=ppt/notesSlides/notesSlide9.xml><?xml version="1.0" encoding="utf-8"?>
-<p:notes xmlns:a="http://schemas.openxmlformats.org/drawingml/2006/main" xmlns:r="http://schemas.openxmlformats.org/officeDocument/2006/relationships" xmlns:p="http://schemas.openxmlformats.org/presentationml/2006/main" showMasterSp="0">
-  <p:cSld>
-    <p:spTree>
-      <p:nvGrpSpPr>
-        <p:cNvPr id="1" name=""/>
-        <p:cNvGrpSpPr/>
-        <p:nvPr/>
-      </p:nvGrpSpPr>
-      <p:grpSpPr>
-        <a:xfrm>
-          <a:off x="0" y="0"/>
-          <a:ext cx="0" cy="0"/>
-          <a:chOff x="0" y="0"/>
-          <a:chExt cx="0" cy="0"/>
-        </a:xfrm>
-      </p:grpSpPr>
-      <p:sp>
-        <p:nvSpPr>
-          <p:cNvPr id="141" name="Google Shape;141;gbde79162c7_0_0:notes"/>
-          <p:cNvSpPr>
-            <a:spLocks noGrp="1" noEditPoints="1"/>
-          </p:cNvSpPr>
-          <p:nvPr>
-            <p:ph type="sldImg" idx="2"/>
-          </p:nvPr>
-        </p:nvSpPr>
-        <p:spPr>
-          <a:xfrm>
-            <a:off x="381300" y="685800"/>
-            <a:ext cx="6096000" cy="3429000"/>
-          </a:xfrm>
-          <a:custGeom>
-            <a:avLst/>
-            <a:rect l="l" t="t" r="r" b="b"/>
-            <a:pathLst>
-              <a:path w="120000" h="120000">
-                <a:moveTo>
-                  <a:pt x="0" y="0"/>
-                </a:moveTo>
-                <a:lnTo>
-                  <a:pt x="120000" y="0"/>
-                </a:lnTo>
-                <a:lnTo>
-                  <a:pt x="120000" y="120000"/>
-                </a:lnTo>
-                <a:lnTo>
-                  <a:pt x="0" y="120000"/>
-                </a:lnTo>
-                <a:lnTo>
-                  <a:pt x="0" y="0"/>
-                </a:lnTo>
-                <a:close/>
-              </a:path>
-            </a:pathLst>
-          </a:custGeom>
-        </p:spPr>
-        <p:txBody>
-          <a:bodyPr/>
-          <a:lstStyle/>
-          <a:p/>
-        </p:txBody>
-      </p:sp>
-      <p:sp>
-        <p:nvSpPr>
-          <p:cNvPr id="142" name="Google Shape;142;gbde79162c7_0_0:notes"/>
           <p:cNvSpPr>
             <a:spLocks noGrp="1" noEditPoints="1"/>
           </p:cNvSpPr>
@@ -11102,10 +10993,10 @@
               <a:solidFill>
                 <a:srgbClr val="FFFFFF"/>
               </a:solidFill>
-              <a:latin typeface="Calibri"/>
-              <a:ea typeface="Calibri"/>
-              <a:cs typeface="Calibri"/>
-              <a:sym typeface="Calibri"/>
+              <a:latin typeface="Calibri" panose="020F0502020204030204"/>
+              <a:ea typeface="Calibri" panose="020F0502020204030204"/>
+              <a:cs typeface="Calibri" panose="020F0502020204030204"/>
+              <a:sym typeface="Calibri" panose="020F0502020204030204"/>
             </a:endParaRPr>
           </a:p>
         </p:txBody>
@@ -11151,10 +11042,10 @@
               <a:solidFill>
                 <a:srgbClr val="333333"/>
               </a:solidFill>
-              <a:latin typeface="Calibri"/>
-              <a:ea typeface="Calibri"/>
-              <a:cs typeface="Calibri"/>
-              <a:sym typeface="Calibri"/>
+              <a:latin typeface="Calibri" panose="020F0502020204030204"/>
+              <a:ea typeface="Calibri" panose="020F0502020204030204"/>
+              <a:cs typeface="Calibri" panose="020F0502020204030204"/>
+              <a:sym typeface="Calibri" panose="020F0502020204030204"/>
             </a:endParaRPr>
           </a:p>
         </p:txBody>
@@ -11200,10 +11091,10 @@
               <a:solidFill>
                 <a:srgbClr val="333333"/>
               </a:solidFill>
-              <a:latin typeface="Calibri"/>
-              <a:ea typeface="Calibri"/>
-              <a:cs typeface="Calibri"/>
-              <a:sym typeface="Calibri"/>
+              <a:latin typeface="Calibri" panose="020F0502020204030204"/>
+              <a:ea typeface="Calibri" panose="020F0502020204030204"/>
+              <a:cs typeface="Calibri" panose="020F0502020204030204"/>
+              <a:sym typeface="Calibri" panose="020F0502020204030204"/>
             </a:endParaRPr>
           </a:p>
         </p:txBody>
@@ -11246,10 +11137,10 @@
               <a:solidFill>
                 <a:srgbClr val="FFFFFF"/>
               </a:solidFill>
-              <a:latin typeface="Calibri"/>
-              <a:ea typeface="Calibri"/>
-              <a:cs typeface="Calibri"/>
-              <a:sym typeface="Calibri"/>
+              <a:latin typeface="Calibri" panose="020F0502020204030204"/>
+              <a:ea typeface="Calibri" panose="020F0502020204030204"/>
+              <a:cs typeface="Calibri" panose="020F0502020204030204"/>
+              <a:sym typeface="Calibri" panose="020F0502020204030204"/>
             </a:endParaRPr>
           </a:p>
         </p:txBody>
@@ -11629,7 +11520,7 @@
 </p:sld>
 </file>
 
-<file path=ppt/slides/slide10.xml><?xml version="1.0" encoding="utf-8"?>
+<file path=ppt/slides/slide2.xml><?xml version="1.0" encoding="utf-8"?>
 <p:sld xmlns:a="http://schemas.openxmlformats.org/drawingml/2006/main" xmlns:r="http://schemas.openxmlformats.org/officeDocument/2006/relationships" xmlns:p="http://schemas.openxmlformats.org/presentationml/2006/main">
   <p:cSld>
     <p:spTree>
@@ -11648,159 +11539,215 @@
       </p:grpSpPr>
       <p:sp>
         <p:nvSpPr>
-          <p:cNvPr id="153" name="Google Shape;153;p32"/>
-          <p:cNvSpPr txBox="1"/>
-          <p:nvPr/>
+          <p:cNvPr id="2" name="Название 1"/>
+          <p:cNvSpPr>
+            <a:spLocks noGrp="1" noEditPoints="1"/>
+          </p:cNvSpPr>
+          <p:nvPr>
+            <p:ph type="title"/>
+          </p:nvPr>
         </p:nvSpPr>
-        <p:spPr>
-          <a:xfrm>
-            <a:off x="227525" y="184675"/>
-            <a:ext cx="7698000" cy="568200"/>
-          </a:xfrm>
-          <a:prstGeom prst="rect">
-            <a:avLst/>
-          </a:prstGeom>
-          <a:noFill/>
-          <a:ln>
-            <a:noFill/>
-          </a:ln>
-        </p:spPr>
+        <p:spPr/>
         <p:txBody>
-          <a:bodyPr spcFirstLastPara="1" wrap="square" lIns="91425" tIns="91425" rIns="91425" bIns="91425" anchor="t">
-            <a:noAutofit/>
-          </a:bodyPr>
+          <a:bodyPr/>
           <a:lstStyle/>
           <a:p>
-            <a:pPr marL="0" indent="0" algn="l" rtl="0">
-              <a:spcBef>
-                <a:spcPts val="0"/>
-              </a:spcBef>
-              <a:spcAft>
-                <a:spcPts val="0"/>
-              </a:spcAft>
-              <a:buNone/>
-            </a:pPr>
-            <a:r>
-              <a:rPr lang="en" sz="2400">
-                <a:solidFill>
-                  <a:srgbClr val="FFFFFF"/>
-                </a:solidFill>
-                <a:latin typeface="Oswald"/>
-                <a:ea typeface="Oswald"/>
-                <a:cs typeface="Oswald"/>
-                <a:sym typeface="Oswald"/>
-              </a:rPr>
-              <a:t>My next step</a:t>
-            </a:r>
-            <a:endParaRPr sz="2400">
-              <a:solidFill>
-                <a:srgbClr val="FFFFFF"/>
-              </a:solidFill>
-              <a:latin typeface="Oswald"/>
-              <a:ea typeface="Oswald"/>
-              <a:cs typeface="Oswald"/>
-              <a:sym typeface="Oswald"/>
-            </a:endParaRPr>
+            <a:r>
+              <a:rPr lang="en-US" sz="2800"/>
+              <a:t>P</a:t>
+            </a:r>
+            <a:r>
+              <a:rPr sz="2800"/>
+              <a:t>roject </a:t>
+            </a:r>
+            <a:r>
+              <a:rPr lang="en-US" sz="2800"/>
+              <a:t>O</a:t>
+            </a:r>
+            <a:r>
+              <a:rPr sz="2800"/>
+              <a:t>verview</a:t>
+            </a:r>
+          </a:p>
+        </p:txBody>
+      </p:sp>
+      <p:sp>
+        <p:nvSpPr>
+          <p:cNvPr id="3" name="Заполнитель текста 2"/>
+          <p:cNvSpPr>
+            <a:spLocks noGrp="1" noEditPoints="1"/>
+          </p:cNvSpPr>
+          <p:nvPr>
+            <p:ph type="body" idx="1"/>
+          </p:nvPr>
+        </p:nvSpPr>
+        <p:spPr/>
+        <p:txBody>
+          <a:bodyPr/>
+          <a:lstStyle/>
+          <a:p>
+            <a:r>
+              <a:rPr lang="en-US"/>
+              <a:t>Original database "</a:t>
+            </a:r>
+            <a:r>
+              <a:rPr lang="en-US" noProof="1"/>
+              <a:t>GoodReads</a:t>
+            </a:r>
+            <a:r>
+              <a:rPr lang="en-US"/>
+              <a:t> Best Books" provides a comprehensive collection of  books that have been listed in GoodReads Best Books Ever. The dataset features diverse information on each book, from ratings, page numbers and editions, genres and languages, to awards, prices, first publish dates and characters.</a:t>
+            </a:r>
           </a:p>
           <a:p>
-            <a:pPr marL="0" indent="0" algn="l" rtl="0">
-              <a:spcBef>
-                <a:spcPts val="0"/>
-              </a:spcBef>
-              <a:spcAft>
-                <a:spcPts val="0"/>
-              </a:spcAft>
-              <a:buNone/>
-            </a:pPr>
-            <a:endParaRPr sz="2400">
-              <a:solidFill>
-                <a:srgbClr val="FFFFFF"/>
-              </a:solidFill>
-              <a:latin typeface="Oswald"/>
-              <a:ea typeface="Oswald"/>
-              <a:cs typeface="Oswald"/>
-              <a:sym typeface="Oswald"/>
-            </a:endParaRPr>
+            <a:endParaRPr lang="en-US"/>
           </a:p>
           <a:p>
-            <a:pPr marL="0" indent="0" algn="l" rtl="0">
-              <a:spcBef>
-                <a:spcPts val="0"/>
-              </a:spcBef>
-              <a:spcAft>
-                <a:spcPts val="0"/>
-              </a:spcAft>
-              <a:buNone/>
-            </a:pPr>
-            <a:endParaRPr sz="2400">
-              <a:solidFill>
-                <a:srgbClr val="FFFFFF"/>
-              </a:solidFill>
-              <a:latin typeface="Oswald"/>
-              <a:ea typeface="Oswald"/>
-              <a:cs typeface="Oswald"/>
-              <a:sym typeface="Oswald"/>
-            </a:endParaRPr>
+            <a:r>
+              <a:rPr lang="en-US"/>
+              <a:t>Purpose &amp; Objectives: </a:t>
+            </a:r>
           </a:p>
           <a:p>
-            <a:pPr marL="0" indent="0" algn="l" rtl="0">
-              <a:spcBef>
-                <a:spcPts val="0"/>
-              </a:spcBef>
-              <a:spcAft>
-                <a:spcPts val="0"/>
-              </a:spcAft>
-              <a:buNone/>
+            <a:pPr lvl="1">
+              <a:lnSpc>
+                <a:spcPct val="100000"/>
+              </a:lnSpc>
+              <a:spcBef>
+                <a:spcPts val="800"/>
+              </a:spcBef>
+              <a:buFont typeface="Wingdings" charset="0"/>
+              <a:buChar char="Ø"/>
             </a:pPr>
-            <a:endParaRPr sz="2400">
-              <a:solidFill>
-                <a:srgbClr val="FFFFFF"/>
-              </a:solidFill>
-              <a:latin typeface="Oswald"/>
-              <a:ea typeface="Oswald"/>
-              <a:cs typeface="Oswald"/>
-              <a:sym typeface="Oswald"/>
-            </a:endParaRPr>
+            <a:r>
+              <a:rPr lang="en-US"/>
+              <a:t>To analyze trends in book genres and pricing. </a:t>
+            </a:r>
+            <a:endParaRPr lang="ru-RU"/>
           </a:p>
           <a:p>
-            <a:pPr marL="0" indent="0" algn="l" rtl="0">
-              <a:spcBef>
-                <a:spcPts val="0"/>
-              </a:spcBef>
-              <a:spcAft>
-                <a:spcPts val="0"/>
-              </a:spcAft>
-              <a:buNone/>
+            <a:pPr lvl="1">
+              <a:lnSpc>
+                <a:spcPct val="100000"/>
+              </a:lnSpc>
+              <a:spcBef>
+                <a:spcPts val="800"/>
+              </a:spcBef>
+              <a:buFont typeface="Wingdings" charset="0"/>
+              <a:buChar char="Ø"/>
             </a:pPr>
-            <a:endParaRPr sz="2400">
-              <a:solidFill>
-                <a:srgbClr val="FFFFFF"/>
-              </a:solidFill>
-              <a:latin typeface="Oswald"/>
-              <a:ea typeface="Oswald"/>
-              <a:cs typeface="Oswald"/>
-              <a:sym typeface="Oswald"/>
-            </a:endParaRPr>
+            <a:r>
+              <a:rPr lang="en-US"/>
+              <a:t>Explore the demographic profile of authors. </a:t>
+            </a:r>
+            <a:endParaRPr lang="ru-RU"/>
           </a:p>
           <a:p>
-            <a:pPr marL="0" indent="0" algn="l" rtl="0">
-              <a:spcBef>
-                <a:spcPts val="0"/>
-              </a:spcBef>
-              <a:spcAft>
-                <a:spcPts val="0"/>
-              </a:spcAft>
-              <a:buNone/>
+            <a:pPr lvl="1">
+              <a:lnSpc>
+                <a:spcPct val="100000"/>
+              </a:lnSpc>
+              <a:spcBef>
+                <a:spcPts val="800"/>
+              </a:spcBef>
+              <a:buFont typeface="Wingdings" charset="0"/>
+              <a:buChar char="Ø"/>
             </a:pPr>
-            <a:endParaRPr sz="2400">
-              <a:solidFill>
-                <a:srgbClr val="FFFFFF"/>
-              </a:solidFill>
-              <a:latin typeface="Oswald"/>
-              <a:ea typeface="Oswald"/>
-              <a:cs typeface="Oswald"/>
-              <a:sym typeface="Oswald"/>
-            </a:endParaRPr>
+            <a:r>
+              <a:rPr lang="en-US"/>
+              <a:t>Provide data-driven recommendations to support key stakeholders in the book industry.</a:t>
+            </a:r>
+          </a:p>
+          <a:p>
+            <a:pPr lvl="1">
+              <a:lnSpc>
+                <a:spcPct val="100000"/>
+              </a:lnSpc>
+              <a:spcBef>
+                <a:spcPts val="800"/>
+              </a:spcBef>
+              <a:buFont typeface="Wingdings" charset="0"/>
+              <a:buChar char="Ø"/>
+            </a:pPr>
+            <a:endParaRPr lang="en-US"/>
+          </a:p>
+          <a:p>
+            <a:pPr lvl="1">
+              <a:lnSpc>
+                <a:spcPct val="100000"/>
+              </a:lnSpc>
+              <a:spcBef>
+                <a:spcPts val="800"/>
+              </a:spcBef>
+              <a:buFont typeface="Wingdings" charset="0"/>
+              <a:buChar char="Ø"/>
+            </a:pPr>
+            <a:endParaRPr lang="en-US"/>
+          </a:p>
+          <a:p>
+            <a:pPr lvl="1">
+              <a:lnSpc>
+                <a:spcPct val="100000"/>
+              </a:lnSpc>
+              <a:spcBef>
+                <a:spcPts val="800"/>
+              </a:spcBef>
+              <a:buFont typeface="Wingdings" charset="0"/>
+              <a:buChar char="Ø"/>
+            </a:pPr>
+            <a:endParaRPr lang="en-US"/>
+          </a:p>
+          <a:p>
+            <a:pPr lvl="1">
+              <a:lnSpc>
+                <a:spcPct val="100000"/>
+              </a:lnSpc>
+              <a:spcBef>
+                <a:spcPts val="800"/>
+              </a:spcBef>
+              <a:buFont typeface="Wingdings" charset="0"/>
+              <a:buChar char="Ø"/>
+            </a:pPr>
+            <a:endParaRPr lang="en-US"/>
+          </a:p>
+          <a:p>
+            <a:pPr lvl="1">
+              <a:lnSpc>
+                <a:spcPct val="100000"/>
+              </a:lnSpc>
+              <a:spcBef>
+                <a:spcPts val="800"/>
+              </a:spcBef>
+              <a:buFont typeface="Wingdings" charset="0"/>
+              <a:buChar char="Ø"/>
+            </a:pPr>
+            <a:endParaRPr lang="en-US"/>
+          </a:p>
+          <a:p>
+            <a:pPr lvl="1">
+              <a:lnSpc>
+                <a:spcPct val="100000"/>
+              </a:lnSpc>
+              <a:spcBef>
+                <a:spcPts val="800"/>
+              </a:spcBef>
+              <a:buFont typeface="Wingdings" charset="0"/>
+              <a:buChar char="Ø"/>
+            </a:pPr>
+            <a:endParaRPr lang="en-US"/>
+          </a:p>
+          <a:p>
+            <a:pPr lvl="1">
+              <a:lnSpc>
+                <a:spcPct val="100000"/>
+              </a:lnSpc>
+              <a:spcBef>
+                <a:spcPts val="800"/>
+              </a:spcBef>
+              <a:buFont typeface="Wingdings" charset="0"/>
+              <a:buChar char="Ø"/>
+            </a:pPr>
+            <a:endParaRPr lang="en-US"/>
           </a:p>
         </p:txBody>
       </p:sp>
@@ -11812,7 +11759,7 @@
 </p:sld>
 </file>
 
-<file path=ppt/slides/slide2.xml><?xml version="1.0" encoding="utf-8"?>
+<file path=ppt/slides/slide3.xml><?xml version="1.0" encoding="utf-8"?>
 <p:sld xmlns:a="http://schemas.openxmlformats.org/drawingml/2006/main" xmlns:r="http://schemas.openxmlformats.org/officeDocument/2006/relationships" xmlns:p="http://schemas.openxmlformats.org/presentationml/2006/main">
   <p:cSld>
     <p:spTree>
@@ -11957,7 +11904,7 @@
             </a:pPr>
             <a:r>
               <a:rPr lang="en-US"/>
-              <a:t>Project aim: Provide a comprehensive view of the literary world</a:t>
+              <a:t>Provide a comprehensive view of the literary world</a:t>
             </a:r>
           </a:p>
           <a:p>
@@ -11976,7 +11923,7 @@
             </a:pPr>
             <a:r>
               <a:rPr lang="en-US"/>
-              <a:t>Reveal hidden patterns and trends through data</a:t>
+              <a:t>Reveal hidden patterns and trends in data</a:t>
             </a:r>
           </a:p>
           <a:p>
@@ -11995,153 +11942,7 @@
             </a:pPr>
             <a:r>
               <a:rPr lang="en-US"/>
-              <a:t>Valuable insights for publishers, authors, and readers</a:t>
-            </a:r>
-          </a:p>
-        </p:txBody>
-      </p:sp>
-    </p:spTree>
-  </p:cSld>
-  <p:clrMapOvr>
-    <a:masterClrMapping/>
-  </p:clrMapOvr>
-</p:sld>
-</file>
-
-<file path=ppt/slides/slide3.xml><?xml version="1.0" encoding="utf-8"?>
-<p:sld xmlns:a="http://schemas.openxmlformats.org/drawingml/2006/main" xmlns:r="http://schemas.openxmlformats.org/officeDocument/2006/relationships" xmlns:p="http://schemas.openxmlformats.org/presentationml/2006/main">
-  <p:cSld>
-    <p:spTree>
-      <p:nvGrpSpPr>
-        <p:cNvPr id="1" name=""/>
-        <p:cNvGrpSpPr/>
-        <p:nvPr/>
-      </p:nvGrpSpPr>
-      <p:grpSpPr>
-        <a:xfrm>
-          <a:off x="0" y="0"/>
-          <a:ext cx="0" cy="0"/>
-          <a:chOff x="0" y="0"/>
-          <a:chExt cx="0" cy="0"/>
-        </a:xfrm>
-      </p:grpSpPr>
-      <p:sp>
-        <p:nvSpPr>
-          <p:cNvPr id="2" name="Название 1"/>
-          <p:cNvSpPr>
-            <a:spLocks noGrp="1" noEditPoints="1"/>
-          </p:cNvSpPr>
-          <p:nvPr>
-            <p:ph type="title"/>
-          </p:nvPr>
-        </p:nvSpPr>
-        <p:spPr/>
-        <p:txBody>
-          <a:bodyPr/>
-          <a:lstStyle/>
-          <a:p>
-            <a:r>
-              <a:rPr lang="en-US" sz="2800"/>
-              <a:t>P</a:t>
-            </a:r>
-            <a:r>
-              <a:rPr sz="2800"/>
-              <a:t>roject </a:t>
-            </a:r>
-            <a:r>
-              <a:rPr lang="en-US" sz="2800"/>
-              <a:t>O</a:t>
-            </a:r>
-            <a:r>
-              <a:rPr sz="2800"/>
-              <a:t>verview</a:t>
-            </a:r>
-          </a:p>
-        </p:txBody>
-      </p:sp>
-      <p:sp>
-        <p:nvSpPr>
-          <p:cNvPr id="3" name="Заполнитель текста 2"/>
-          <p:cNvSpPr>
-            <a:spLocks noGrp="1" noEditPoints="1"/>
-          </p:cNvSpPr>
-          <p:nvPr>
-            <p:ph type="body" idx="1"/>
-          </p:nvPr>
-        </p:nvSpPr>
-        <p:spPr/>
-        <p:txBody>
-          <a:bodyPr/>
-          <a:lstStyle/>
-          <a:p>
-            <a:r>
-              <a:rPr lang="en-US"/>
-              <a:t>Original database "</a:t>
-            </a:r>
-            <a:r>
-              <a:rPr lang="en-US" noProof="1"/>
-              <a:t>GoodReads</a:t>
-            </a:r>
-            <a:r>
-              <a:rPr lang="en-US"/>
-              <a:t> Best Books" provides a comprehensive collection of 52478 books that have been listed in GoodReads Best Books Ever. The dataset features diverse information on each book, from ratings, page numbers and editions, genres and languages, to awards, prices, first publish dates and characters.</a:t>
-            </a:r>
-          </a:p>
-          <a:p>
-            <a:endParaRPr lang="en-US"/>
-          </a:p>
-          <a:p>
-            <a:r>
-              <a:rPr lang="en-US"/>
-              <a:t>Purpose &amp; Objectives: </a:t>
-            </a:r>
-          </a:p>
-          <a:p>
-            <a:pPr lvl="1">
-              <a:lnSpc>
-                <a:spcPct val="100000"/>
-              </a:lnSpc>
-              <a:spcBef>
-                <a:spcPts val="800"/>
-              </a:spcBef>
-              <a:buFont typeface="Wingdings" charset="0"/>
-              <a:buChar char="Ø"/>
-            </a:pPr>
-            <a:r>
-              <a:rPr lang="en-US"/>
-              <a:t>To analyze genre trends and pricing.</a:t>
-            </a:r>
-          </a:p>
-          <a:p>
-            <a:pPr lvl="1">
-              <a:lnSpc>
-                <a:spcPct val="100000"/>
-              </a:lnSpc>
-              <a:spcBef>
-                <a:spcPts val="800"/>
-              </a:spcBef>
-              <a:buFont typeface="Wingdings" charset="0"/>
-              <a:buChar char="Ø"/>
-            </a:pPr>
-            <a:r>
-              <a:rPr lang="en-US"/>
-              <a:t>Understand author demographics.</a:t>
-            </a:r>
-          </a:p>
-          <a:p>
-            <a:pPr lvl="1">
-              <a:lnSpc>
-                <a:spcPct val="100000"/>
-              </a:lnSpc>
-              <a:spcBef>
-                <a:spcPts val="800"/>
-              </a:spcBef>
-              <a:buFont typeface="Wingdings" charset="0"/>
-              <a:buChar char="Ø"/>
-            </a:pPr>
-            <a:r>
-              <a:rPr lang="en-US"/>
-              <a:t>Provide data-driven insights to help stakeholders in the book</a:t>
+              <a:t>Find valuable information for publishers, authors, and readers</a:t>
             </a:r>
           </a:p>
         </p:txBody>
@@ -13336,7 +13137,7 @@
           <a:blip r:embed="rId1">
             <a:alphaModFix amt="65000"/>
           </a:blip>
-          <a:srcRect l="0" t="0" r="77320" b="0"/>
+          <a:srcRect r="77320"/>
           <a:stretch/>
         </p:blipFill>
         <p:spPr>
@@ -13417,7 +13218,7 @@
           <a:blip r:embed="rId3">
             <a:alphaModFix amt="52000"/>
           </a:blip>
-          <a:srcRect l="0" t="0" r="74993" b="15914"/>
+          <a:srcRect r="74993" b="15914"/>
           <a:stretch/>
         </p:blipFill>
         <p:spPr>
@@ -14593,7 +14394,7 @@
         </p:nvPicPr>
         <p:blipFill>
           <a:blip r:embed="rId1"/>
-          <a:srcRect l="1555" t="0" r="0" b="1753"/>
+          <a:srcRect l="1555" b="1753"/>
           <a:stretch/>
         </p:blipFill>
         <p:spPr>
@@ -14616,6 +14417,400 @@
 </file>
 
 <file path=ppt/slides/slide7.xml><?xml version="1.0" encoding="utf-8"?>
+<p:sld xmlns:a="http://schemas.openxmlformats.org/drawingml/2006/main" xmlns:r="http://schemas.openxmlformats.org/officeDocument/2006/relationships" xmlns:p="http://schemas.openxmlformats.org/presentationml/2006/main">
+  <p:cSld>
+    <p:spTree>
+      <p:nvGrpSpPr>
+        <p:cNvPr id="1" name=""/>
+        <p:cNvGrpSpPr/>
+        <p:nvPr/>
+      </p:nvGrpSpPr>
+      <p:grpSpPr>
+        <a:xfrm>
+          <a:off x="0" y="0"/>
+          <a:ext cx="0" cy="0"/>
+          <a:chOff x="0" y="0"/>
+          <a:chExt cx="0" cy="0"/>
+        </a:xfrm>
+      </p:grpSpPr>
+      <p:sp>
+        <p:nvSpPr>
+          <p:cNvPr id="156" name="Заполнитель текста 155"/>
+          <p:cNvSpPr>
+            <a:spLocks noGrp="1" noEditPoints="1"/>
+          </p:cNvSpPr>
+          <p:nvPr>
+            <p:ph type="body" idx="1"/>
+          </p:nvPr>
+        </p:nvSpPr>
+        <p:spPr>
+          <a:xfrm>
+            <a:off x="311700" y="843558"/>
+            <a:ext cx="8520600" cy="3416400"/>
+          </a:xfrm>
+        </p:spPr>
+        <p:txBody>
+          <a:bodyPr/>
+          <a:lstStyle/>
+          <a:p>
+            <a:pPr marR="0" algn="l">
+              <a:lnSpc>
+                <a:spcPct val="150000"/>
+              </a:lnSpc>
+              <a:spcBef>
+                <a:spcPts val="0"/>
+              </a:spcBef>
+              <a:spcAft>
+                <a:spcPts val="0"/>
+              </a:spcAft>
+              <a:buFont typeface="Arial"/>
+              <a:buChar char="•"/>
+            </a:pPr>
+            <a:r>
+              <a:rPr lang="en-US" sz="1800" b="0" i="0" u="none" strike="noStrike">
+                <a:solidFill>
+                  <a:schemeClr val="tx2"/>
+                </a:solidFill>
+                <a:latin typeface="Arial"/>
+                <a:ea typeface="Arial"/>
+                <a:cs typeface="Arial"/>
+              </a:rPr>
+              <a:t>Project Steps:</a:t>
+            </a:r>
+          </a:p>
+          <a:p>
+            <a:pPr marL="914400" marR="0" lvl="1" algn="l">
+              <a:lnSpc>
+                <a:spcPct val="150000"/>
+              </a:lnSpc>
+              <a:spcBef>
+                <a:spcPts val="0"/>
+              </a:spcBef>
+              <a:spcAft>
+                <a:spcPts val="0"/>
+              </a:spcAft>
+              <a:buFont typeface="Arial"/>
+              <a:buChar char="•"/>
+            </a:pPr>
+            <a:r>
+              <a:rPr lang="en-US" sz="1200" b="0" i="0" u="none" strike="noStrike">
+                <a:solidFill>
+                  <a:schemeClr val="tx2"/>
+                </a:solidFill>
+                <a:latin typeface="Arial"/>
+                <a:ea typeface="Arial"/>
+                <a:cs typeface="Arial"/>
+              </a:rPr>
+              <a:t>Deeper Data Analysis: Conduct more advanced data analysis to uncover hidden patterns and insights within the dataset.</a:t>
+            </a:r>
+          </a:p>
+          <a:p>
+            <a:pPr marL="914400" marR="0" lvl="1" algn="l">
+              <a:lnSpc>
+                <a:spcPct val="150000"/>
+              </a:lnSpc>
+              <a:spcBef>
+                <a:spcPts val="0"/>
+              </a:spcBef>
+              <a:spcAft>
+                <a:spcPts val="0"/>
+              </a:spcAft>
+              <a:buFont typeface="Arial"/>
+              <a:buChar char="•"/>
+            </a:pPr>
+            <a:r>
+              <a:rPr lang="en-US" sz="1200" b="0" i="0" u="none" strike="noStrike">
+                <a:solidFill>
+                  <a:schemeClr val="tx2"/>
+                </a:solidFill>
+                <a:latin typeface="Arial"/>
+                <a:ea typeface="Arial"/>
+                <a:cs typeface="Arial"/>
+              </a:rPr>
+              <a:t>API Integration: Integrate additional APIs to enrich the dataset, ensuring more accurate and comprehensive results.</a:t>
+            </a:r>
+          </a:p>
+          <a:p>
+            <a:pPr marR="0" algn="l">
+              <a:lnSpc>
+                <a:spcPct val="150000"/>
+              </a:lnSpc>
+              <a:spcBef>
+                <a:spcPts val="0"/>
+              </a:spcBef>
+              <a:spcAft>
+                <a:spcPts val="0"/>
+              </a:spcAft>
+              <a:buFont typeface="Arial"/>
+              <a:buChar char="•"/>
+            </a:pPr>
+            <a:r>
+              <a:rPr lang="en-US" sz="1800" b="0" i="0" u="none" strike="noStrike">
+                <a:solidFill>
+                  <a:schemeClr val="tx2"/>
+                </a:solidFill>
+                <a:latin typeface="Arial"/>
+                <a:ea typeface="Arial"/>
+                <a:cs typeface="Arial"/>
+              </a:rPr>
+              <a:t>Career Development Steps:</a:t>
+            </a:r>
+          </a:p>
+          <a:p>
+            <a:pPr marL="914400" marR="0" lvl="1" algn="l">
+              <a:lnSpc>
+                <a:spcPct val="150000"/>
+              </a:lnSpc>
+              <a:spcBef>
+                <a:spcPts val="0"/>
+              </a:spcBef>
+              <a:spcAft>
+                <a:spcPts val="0"/>
+              </a:spcAft>
+              <a:buFont typeface="Arial"/>
+              <a:buChar char="•"/>
+            </a:pPr>
+            <a:r>
+              <a:rPr lang="en-US" sz="1200" b="0" i="0" u="none" strike="noStrike">
+                <a:solidFill>
+                  <a:schemeClr val="tx2"/>
+                </a:solidFill>
+                <a:latin typeface="Arial"/>
+                <a:ea typeface="Arial"/>
+                <a:cs typeface="Arial"/>
+              </a:rPr>
+              <a:t>Learning New Skills: Focus on learning new tools and technologies relevant to data analysis and visualization.</a:t>
+            </a:r>
+          </a:p>
+          <a:p>
+            <a:pPr marL="914400" marR="0" lvl="1" algn="l">
+              <a:lnSpc>
+                <a:spcPct val="150000"/>
+              </a:lnSpc>
+              <a:spcBef>
+                <a:spcPts val="0"/>
+              </a:spcBef>
+              <a:spcAft>
+                <a:spcPts val="0"/>
+              </a:spcAft>
+              <a:buFont typeface="Arial"/>
+              <a:buChar char="•"/>
+            </a:pPr>
+            <a:r>
+              <a:rPr lang="en-US" sz="1200" b="0" i="0" u="none" strike="noStrike">
+                <a:solidFill>
+                  <a:schemeClr val="tx2"/>
+                </a:solidFill>
+                <a:latin typeface="Arial"/>
+                <a:ea typeface="Arial"/>
+                <a:cs typeface="Arial"/>
+              </a:rPr>
+              <a:t>Improving Existing Skills: Enhance proficiency in current technologies like Python, Tableau, and data processing libraries to handle more complex projects.</a:t>
+            </a:r>
+          </a:p>
+          <a:p>
+            <a:pPr marL="914400" marR="0" lvl="1" algn="l">
+              <a:lnSpc>
+                <a:spcPct val="150000"/>
+              </a:lnSpc>
+              <a:spcBef>
+                <a:spcPts val="0"/>
+              </a:spcBef>
+              <a:spcAft>
+                <a:spcPts val="1000"/>
+              </a:spcAft>
+              <a:buFont typeface="Arial"/>
+              <a:buChar char="•"/>
+            </a:pPr>
+            <a:r>
+              <a:rPr lang="en-US" sz="1200" b="0" i="0" u="none" strike="noStrike">
+                <a:solidFill>
+                  <a:schemeClr val="tx2"/>
+                </a:solidFill>
+                <a:latin typeface="Arial"/>
+                <a:ea typeface="Arial"/>
+                <a:cs typeface="Arial"/>
+              </a:rPr>
+              <a:t>Networking and Job Search: Actively engage in networking and apply for data analysis roles, utilizing skills gained from this project.</a:t>
+            </a:r>
+            <a:endParaRPr sz="1200" b="0">
+              <a:solidFill>
+                <a:schemeClr val="tx2"/>
+              </a:solidFill>
+              <a:latin typeface="Arial"/>
+              <a:ea typeface="Arial"/>
+              <a:cs typeface="Arial"/>
+            </a:endParaRPr>
+          </a:p>
+        </p:txBody>
+      </p:sp>
+      <p:sp>
+        <p:nvSpPr>
+          <p:cNvPr id="153" name="Google Shape;153;p32"/>
+          <p:cNvSpPr txBox="1"/>
+          <p:nvPr/>
+        </p:nvSpPr>
+        <p:spPr>
+          <a:xfrm>
+            <a:off x="227525" y="184675"/>
+            <a:ext cx="7698000" cy="568200"/>
+          </a:xfrm>
+          <a:prstGeom prst="rect">
+            <a:avLst/>
+          </a:prstGeom>
+          <a:noFill/>
+          <a:ln>
+            <a:noFill/>
+          </a:ln>
+        </p:spPr>
+        <p:txBody>
+          <a:bodyPr spcFirstLastPara="1" wrap="square" lIns="91425" tIns="91425" rIns="91425" bIns="91425" anchor="t">
+            <a:noAutofit/>
+          </a:bodyPr>
+          <a:lstStyle/>
+          <a:p>
+            <a:pPr marL="0" indent="0" algn="l" rtl="0">
+              <a:spcBef>
+                <a:spcPts val="0"/>
+              </a:spcBef>
+              <a:spcAft>
+                <a:spcPts val="0"/>
+              </a:spcAft>
+              <a:buNone/>
+            </a:pPr>
+            <a:r>
+              <a:rPr lang="en" sz="2400">
+                <a:solidFill>
+                  <a:srgbClr val="FFFFFF"/>
+                </a:solidFill>
+                <a:latin typeface="Oswald"/>
+                <a:ea typeface="Oswald"/>
+                <a:cs typeface="Oswald"/>
+                <a:sym typeface="Oswald"/>
+              </a:rPr>
+              <a:t>My next step</a:t>
+            </a:r>
+            <a:endParaRPr sz="2400">
+              <a:solidFill>
+                <a:srgbClr val="FFFFFF"/>
+              </a:solidFill>
+              <a:latin typeface="Oswald"/>
+              <a:ea typeface="Oswald"/>
+              <a:cs typeface="Oswald"/>
+              <a:sym typeface="Oswald"/>
+            </a:endParaRPr>
+          </a:p>
+          <a:p>
+            <a:pPr marL="0" indent="0" algn="l" rtl="0">
+              <a:spcBef>
+                <a:spcPts val="0"/>
+              </a:spcBef>
+              <a:spcAft>
+                <a:spcPts val="0"/>
+              </a:spcAft>
+              <a:buNone/>
+            </a:pPr>
+            <a:endParaRPr sz="2400">
+              <a:solidFill>
+                <a:srgbClr val="FFFFFF"/>
+              </a:solidFill>
+              <a:latin typeface="Oswald"/>
+              <a:ea typeface="Oswald"/>
+              <a:cs typeface="Oswald"/>
+              <a:sym typeface="Oswald"/>
+            </a:endParaRPr>
+          </a:p>
+          <a:p>
+            <a:pPr marL="0" indent="0" algn="l" rtl="0">
+              <a:spcBef>
+                <a:spcPts val="0"/>
+              </a:spcBef>
+              <a:spcAft>
+                <a:spcPts val="0"/>
+              </a:spcAft>
+              <a:buNone/>
+            </a:pPr>
+            <a:endParaRPr sz="2400">
+              <a:solidFill>
+                <a:srgbClr val="FFFFFF"/>
+              </a:solidFill>
+              <a:latin typeface="Oswald"/>
+              <a:ea typeface="Oswald"/>
+              <a:cs typeface="Oswald"/>
+              <a:sym typeface="Oswald"/>
+            </a:endParaRPr>
+          </a:p>
+          <a:p>
+            <a:pPr marL="0" indent="0" algn="l" rtl="0">
+              <a:spcBef>
+                <a:spcPts val="0"/>
+              </a:spcBef>
+              <a:spcAft>
+                <a:spcPts val="0"/>
+              </a:spcAft>
+              <a:buNone/>
+            </a:pPr>
+            <a:endParaRPr sz="2400">
+              <a:solidFill>
+                <a:srgbClr val="FFFFFF"/>
+              </a:solidFill>
+              <a:latin typeface="Oswald"/>
+              <a:ea typeface="Oswald"/>
+              <a:cs typeface="Oswald"/>
+              <a:sym typeface="Oswald"/>
+            </a:endParaRPr>
+          </a:p>
+          <a:p>
+            <a:pPr marL="0" indent="0" algn="l" rtl="0">
+              <a:spcBef>
+                <a:spcPts val="0"/>
+              </a:spcBef>
+              <a:spcAft>
+                <a:spcPts val="0"/>
+              </a:spcAft>
+              <a:buNone/>
+            </a:pPr>
+            <a:endParaRPr sz="2400">
+              <a:solidFill>
+                <a:srgbClr val="FFFFFF"/>
+              </a:solidFill>
+              <a:latin typeface="Oswald"/>
+              <a:ea typeface="Oswald"/>
+              <a:cs typeface="Oswald"/>
+              <a:sym typeface="Oswald"/>
+            </a:endParaRPr>
+          </a:p>
+          <a:p>
+            <a:pPr marL="0" indent="0" algn="l" rtl="0">
+              <a:spcBef>
+                <a:spcPts val="0"/>
+              </a:spcBef>
+              <a:spcAft>
+                <a:spcPts val="0"/>
+              </a:spcAft>
+              <a:buNone/>
+            </a:pPr>
+            <a:endParaRPr sz="2400">
+              <a:solidFill>
+                <a:srgbClr val="FFFFFF"/>
+              </a:solidFill>
+              <a:latin typeface="Oswald"/>
+              <a:ea typeface="Oswald"/>
+              <a:cs typeface="Oswald"/>
+              <a:sym typeface="Oswald"/>
+            </a:endParaRPr>
+          </a:p>
+        </p:txBody>
+      </p:sp>
+    </p:spTree>
+  </p:cSld>
+  <p:clrMapOvr>
+    <a:masterClrMapping/>
+  </p:clrMapOvr>
+</p:sld>
+</file>
+
+<file path=ppt/slides/slide8.xml><?xml version="1.0" encoding="utf-8"?>
 <p:sld xmlns:a="http://schemas.openxmlformats.org/drawingml/2006/main" xmlns:r="http://schemas.openxmlformats.org/officeDocument/2006/relationships" xmlns:p="http://schemas.openxmlformats.org/presentationml/2006/main">
   <p:cSld>
     <p:spTree>
@@ -14685,8 +14880,8 @@
         </p:nvSpPr>
         <p:spPr>
           <a:xfrm>
-            <a:off x="311700" y="1152475"/>
-            <a:ext cx="8520600" cy="3416400"/>
+            <a:off x="251520" y="1152475"/>
+            <a:ext cx="8712968" cy="3416400"/>
           </a:xfrm>
           <a:prstGeom prst="rect">
             <a:avLst/>
@@ -14699,6 +14894,9 @@
           <a:lstStyle/>
           <a:p>
             <a:pPr marL="0" indent="0" algn="l" rtl="0">
+              <a:lnSpc>
+                <a:spcPct val="200000"/>
+              </a:lnSpc>
               <a:spcBef>
                 <a:spcPts val="0"/>
               </a:spcBef>
@@ -14717,6 +14915,9 @@
           </a:p>
           <a:p>
             <a:pPr marL="0" indent="0" algn="l" rtl="0">
+              <a:lnSpc>
+                <a:spcPct val="200000"/>
+              </a:lnSpc>
               <a:spcBef>
                 <a:spcPts val="0"/>
               </a:spcBef>
@@ -14725,10 +14926,19 @@
               </a:spcAft>
               <a:buNone/>
             </a:pPr>
+            <a:r>
+              <a:rPr lang="en">
+                <a:hlinkClick r:id="rId2"/>
+              </a:rPr>
+              <a:t>https://github.com/IngerMasha/Final-Project/tree/master/video</a:t>
+            </a:r>
             <a:endParaRPr lang="ru-RU"/>
           </a:p>
           <a:p>
             <a:pPr marL="0" indent="0" algn="l" rtl="0">
+              <a:lnSpc>
+                <a:spcPct val="200000"/>
+              </a:lnSpc>
               <a:spcBef>
                 <a:spcPts val="0"/>
               </a:spcBef>
@@ -14738,38 +14948,8 @@
               <a:buNone/>
             </a:pPr>
             <a:r>
-              <a:rPr lang="en"/>
-              <a:t>2-mn video link</a:t>
-            </a:r>
-          </a:p>
-          <a:p>
-            <a:pPr marL="0" indent="0" algn="l" rtl="0">
-              <a:spcBef>
-                <a:spcPts val="1600"/>
-              </a:spcBef>
-              <a:spcAft>
-                <a:spcPts val="0"/>
-              </a:spcAft>
-              <a:buNone/>
-            </a:pPr>
-            <a:r>
-              <a:rPr lang="en"/>
-              <a:t>Deployed link</a:t>
-            </a:r>
-          </a:p>
-          <a:p>
-            <a:pPr marL="0" indent="0" algn="l" rtl="0">
-              <a:spcBef>
-                <a:spcPts val="1600"/>
-              </a:spcBef>
-              <a:spcAft>
-                <a:spcPts val="0"/>
-              </a:spcAft>
-              <a:buNone/>
-            </a:pPr>
-            <a:r>
               <a:rPr lang="en">
-                <a:hlinkClick r:id="rId2"/>
+                <a:hlinkClick r:id="rId3"/>
               </a:rPr>
               <a:t>https://www.datascienceportfol.io/dashboard</a:t>
             </a:r>
@@ -14777,8 +14957,11 @@
           </a:p>
           <a:p>
             <a:pPr marL="0" indent="0" algn="l" rtl="0">
-              <a:spcBef>
-                <a:spcPts val="1600"/>
+              <a:lnSpc>
+                <a:spcPct val="200000"/>
+              </a:lnSpc>
+              <a:spcBef>
+                <a:spcPts val="0"/>
               </a:spcBef>
               <a:spcAft>
                 <a:spcPts val="0"/>
@@ -14786,25 +14969,60 @@
               <a:buNone/>
             </a:pPr>
             <a:r>
-              <a:rPr lang="en"/>
-              <a:t>Technical article link</a:t>
-            </a:r>
-            <a:endParaRPr lang="en-US"/>
+              <a:rPr lang="en-US">
+                <a:hlinkClick r:id="rId4"/>
+              </a:rPr>
+              <a:t>https://public.tableau.com/authoring/Analysisofthebookdataset/Dashboard2#1</a:t>
+            </a:r>
+            <a:endParaRPr lang="ru-RU"/>
           </a:p>
           <a:p>
             <a:pPr marL="0" indent="0" algn="l" rtl="0">
-              <a:spcBef>
-                <a:spcPts val="1600"/>
-              </a:spcBef>
-              <a:spcAft>
-                <a:spcPts val="1600"/>
+              <a:lnSpc>
+                <a:spcPct val="200000"/>
+              </a:lnSpc>
+              <a:spcBef>
+                <a:spcPts val="0"/>
+              </a:spcBef>
+              <a:spcAft>
+                <a:spcPts val="0"/>
               </a:spcAft>
               <a:buNone/>
             </a:pPr>
             <a:r>
-              <a:rPr lang="en-US"/>
-              <a:t>https://public.tableau.com/authoring/Analysisofthebookdataset/Dashboard2#1</a:t>
-            </a:r>
+              <a:rPr lang="ru-RU">
+                <a:hlinkClick r:id="rId5"/>
+              </a:rPr>
+              <a:t>https://github.com/IngerMasha/Final-</a:t>
+            </a:r>
+            <a:r>
+              <a:rPr lang="en-US">
+                <a:hlinkClick r:id="rId5"/>
+              </a:rPr>
+              <a:t>P</a:t>
+            </a:r>
+            <a:r>
+              <a:rPr lang="ru-RU">
+                <a:hlinkClick r:id="rId5"/>
+              </a:rPr>
+              <a:t>roject/blob/master/video/Technical%20article</a:t>
+            </a:r>
+            <a:endParaRPr lang="ru-RU"/>
+          </a:p>
+          <a:p>
+            <a:pPr marL="0" indent="0" algn="l" rtl="0">
+              <a:lnSpc>
+                <a:spcPct val="200000"/>
+              </a:lnSpc>
+              <a:spcBef>
+                <a:spcPts val="0"/>
+              </a:spcBef>
+              <a:spcAft>
+                <a:spcPts val="0"/>
+              </a:spcAft>
+              <a:buNone/>
+            </a:pPr>
+            <a:endParaRPr lang="ru-RU"/>
           </a:p>
         </p:txBody>
       </p:sp>
@@ -14816,7 +15034,7 @@
 </p:sld>
 </file>
 
-<file path=ppt/slides/slide8.xml><?xml version="1.0" encoding="utf-8"?>
+<file path=ppt/slides/slide9.xml><?xml version="1.0" encoding="utf-8"?>
 <p:sld xmlns:a="http://schemas.openxmlformats.org/drawingml/2006/main" xmlns:r="http://schemas.openxmlformats.org/officeDocument/2006/relationships" xmlns:p="http://schemas.openxmlformats.org/presentationml/2006/main">
   <p:cSld>
     <p:spTree>
@@ -14909,25 +15127,10 @@
               <a:buNone/>
             </a:pPr>
             <a:r>
-              <a:rPr lang="en"/>
-              <a:t>https://docs.google.com/document/d/1VMRe5BkJLca9PXw-c6iqau8GT8psgW-N/edit?usp=sharing&amp;ouid=104459381762924220748&amp;rtpof=true&amp;sd=true</a:t>
-            </a:r>
-          </a:p>
-          <a:p>
-            <a:pPr marL="0" indent="0" algn="l" rtl="0">
-              <a:spcBef>
-                <a:spcPts val="1600"/>
-              </a:spcBef>
-              <a:spcAft>
-                <a:spcPts val="0"/>
-              </a:spcAft>
-              <a:buNone/>
-            </a:pPr>
-            <a:r>
               <a:rPr lang="en">
                 <a:hlinkClick r:id="rId1"/>
               </a:rPr>
-              <a:t>https://www.linkedin.com/in/mariainger/</a:t>
+              <a:t>https://docs.google.com/document/d/1VMRe5BkJLca9PXw-c6iqau8GT8psgW-N/edit?usp=sharing&amp;ouid=104459381762924220748&amp;rtpof=true&amp;sd=true</a:t>
             </a:r>
             <a:endParaRPr lang="en-US"/>
           </a:p>
@@ -14942,1057 +15145,24 @@
               <a:buNone/>
             </a:pPr>
             <a:r>
-              <a:rPr lang="en"/>
-              <a:t>Job tracker link</a:t>
-            </a:r>
+              <a:rPr lang="en">
+                <a:hlinkClick r:id="rId2"/>
+              </a:rPr>
+              <a:t>https://www.linkedin.com/in/mariainger/</a:t>
+            </a:r>
+            <a:endParaRPr lang="en-US"/>
           </a:p>
-        </p:txBody>
-      </p:sp>
-    </p:spTree>
-  </p:cSld>
-  <p:clrMapOvr>
-    <a:masterClrMapping/>
-  </p:clrMapOvr>
-</p:sld>
-</file>
-
-<file path=ppt/slides/slide9.xml><?xml version="1.0" encoding="utf-8"?>
-<p:sld xmlns:a="http://schemas.openxmlformats.org/drawingml/2006/main" xmlns:r="http://schemas.openxmlformats.org/officeDocument/2006/relationships" xmlns:p="http://schemas.openxmlformats.org/presentationml/2006/main">
-  <p:cSld>
-    <p:spTree>
-      <p:nvGrpSpPr>
-        <p:cNvPr id="1" name=""/>
-        <p:cNvGrpSpPr/>
-        <p:nvPr/>
-      </p:nvGrpSpPr>
-      <p:grpSpPr>
-        <a:xfrm>
-          <a:off x="0" y="0"/>
-          <a:ext cx="0" cy="0"/>
-          <a:chOff x="0" y="0"/>
-          <a:chExt cx="0" cy="0"/>
-        </a:xfrm>
-      </p:grpSpPr>
-      <p:sp>
-        <p:nvSpPr>
-          <p:cNvPr id="144" name="Google Shape;144;p31"/>
-          <p:cNvSpPr txBox="1"/>
-          <p:nvPr/>
-        </p:nvSpPr>
-        <p:spPr>
-          <a:xfrm>
-            <a:off x="227525" y="184675"/>
-            <a:ext cx="7698000" cy="568200"/>
-          </a:xfrm>
-          <a:prstGeom prst="rect">
-            <a:avLst/>
-          </a:prstGeom>
-          <a:noFill/>
-          <a:ln>
-            <a:noFill/>
-          </a:ln>
-        </p:spPr>
-        <p:txBody>
-          <a:bodyPr spcFirstLastPara="1" wrap="square" lIns="91425" tIns="91425" rIns="91425" bIns="91425" anchor="t">
-            <a:noAutofit/>
-          </a:bodyPr>
-          <a:lstStyle/>
           <a:p>
             <a:pPr marL="0" indent="0" algn="l" rtl="0">
               <a:spcBef>
-                <a:spcPts val="0"/>
+                <a:spcPts val="1600"/>
               </a:spcBef>
               <a:spcAft>
                 <a:spcPts val="0"/>
               </a:spcAft>
               <a:buNone/>
             </a:pPr>
-            <a:r>
-              <a:rPr lang="en" sz="2400">
-                <a:solidFill>
-                  <a:srgbClr val="FFFFFF"/>
-                </a:solidFill>
-                <a:latin typeface="Oswald"/>
-                <a:ea typeface="Oswald"/>
-                <a:cs typeface="Oswald"/>
-                <a:sym typeface="Oswald"/>
-              </a:rPr>
-              <a:t>Roadmap</a:t>
-            </a:r>
-            <a:endParaRPr sz="2400">
-              <a:solidFill>
-                <a:srgbClr val="FFFFFF"/>
-              </a:solidFill>
-              <a:latin typeface="Oswald"/>
-              <a:ea typeface="Oswald"/>
-              <a:cs typeface="Oswald"/>
-              <a:sym typeface="Oswald"/>
-            </a:endParaRPr>
-          </a:p>
-        </p:txBody>
-      </p:sp>
-      <p:graphicFrame>
-        <p:nvGraphicFramePr>
-          <p:cNvPr id="145" name="Google Shape;145;p31"/>
-          <p:cNvGraphicFramePr/>
-          <p:nvPr/>
-        </p:nvGraphicFramePr>
-        <p:xfrm>
-          <a:off x="311810" y="999556"/>
-          <a:ext cx="8493350" cy="3166750"/>
-        </p:xfrm>
-        <a:graphic>
-          <a:graphicData uri="http://schemas.openxmlformats.org/drawingml/2006/table">
-            <a:tbl>
-              <a:tblPr firstRow="1" bandRow="1">
-                <a:noFill/>
-                <a:tableStyleId>{FA4A393C-B937-452C-ABBF-4072A77C877E}</a:tableStyleId>
-              </a:tblPr>
-              <a:tblGrid>
-                <a:gridCol w="678425"/>
-                <a:gridCol w="678425"/>
-                <a:gridCol w="678425"/>
-                <a:gridCol w="678425"/>
-                <a:gridCol w="730600"/>
-                <a:gridCol w="626225"/>
-                <a:gridCol w="704525"/>
-                <a:gridCol w="652325"/>
-                <a:gridCol w="678425"/>
-                <a:gridCol w="678425"/>
-                <a:gridCol w="780650"/>
-                <a:gridCol w="928475"/>
-              </a:tblGrid>
-              <a:tr h="3166750">
-                <a:tc>
-                  <a:txBody>
-                    <a:bodyPr lIns="91450" tIns="45725" rIns="91450" bIns="45725" anchor="ctr"/>
-                    <a:lstStyle/>
-                    <a:p>
-                      <a:pPr marL="0" indent="0" algn="ctr" rtl="0">
-                        <a:spcBef>
-                          <a:spcPts val="0"/>
-                        </a:spcBef>
-                        <a:spcAft>
-                          <a:spcPts val="0"/>
-                        </a:spcAft>
-                        <a:buNone/>
-                      </a:pPr>
-                      <a:endParaRPr sz="800" b="1">
-                        <a:latin typeface="Calibri"/>
-                        <a:ea typeface="Calibri"/>
-                        <a:cs typeface="Calibri"/>
-                        <a:sym typeface="Calibri"/>
-                      </a:endParaRPr>
-                    </a:p>
-                  </a:txBody>
-                  <a:tcPr marL="91450" marR="91450" marT="45725" marB="45725" anchor="ctr">
-                    <a:lnL w="12700" cap="flat" cmpd="sng">
-                      <a:solidFill>
-                        <a:srgbClr val="FFFFFF"/>
-                      </a:solidFill>
-                      <a:prstDash val="solid"/>
-                      <a:round/>
-                      <a:headEnd type="none" w="sm" len="sm"/>
-                      <a:tailEnd type="none" w="sm" len="sm"/>
-                    </a:lnL>
-                    <a:lnR w="12700" cap="flat" cmpd="sng">
-                      <a:solidFill>
-                        <a:srgbClr val="FFFFFF"/>
-                      </a:solidFill>
-                      <a:prstDash val="solid"/>
-                      <a:round/>
-                      <a:headEnd type="none" w="sm" len="sm"/>
-                      <a:tailEnd type="none" w="sm" len="sm"/>
-                    </a:lnR>
-                    <a:lnT w="12700" cap="flat" cmpd="sng">
-                      <a:solidFill>
-                        <a:srgbClr val="FFFFFF"/>
-                      </a:solidFill>
-                      <a:prstDash val="solid"/>
-                      <a:round/>
-                      <a:headEnd type="none" w="sm" len="sm"/>
-                      <a:tailEnd type="none" w="sm" len="sm"/>
-                    </a:lnT>
-                    <a:lnB w="12700" cap="flat" cmpd="sng">
-                      <a:solidFill>
-                        <a:srgbClr val="FFFFFF"/>
-                      </a:solidFill>
-                      <a:prstDash val="solid"/>
-                      <a:round/>
-                      <a:headEnd type="none" w="sm" len="sm"/>
-                      <a:tailEnd type="none" w="sm" len="sm"/>
-                    </a:lnB>
-                    <a:solidFill>
-                      <a:srgbClr val="C9DAF8"/>
-                    </a:solidFill>
-                  </a:tcPr>
-                </a:tc>
-                <a:tc>
-                  <a:txBody>
-                    <a:bodyPr lIns="91450" tIns="45725" rIns="91450" bIns="45725" anchor="ctr"/>
-                    <a:lstStyle/>
-                    <a:p>
-                      <a:pPr marL="0" indent="0" algn="ctr" rtl="0">
-                        <a:spcBef>
-                          <a:spcPts val="0"/>
-                        </a:spcBef>
-                        <a:spcAft>
-                          <a:spcPts val="0"/>
-                        </a:spcAft>
-                        <a:buClr>
-                          <a:srgbClr val="000000"/>
-                        </a:buClr>
-                        <a:buFont typeface="Arial"/>
-                        <a:buNone/>
-                      </a:pPr>
-                      <a:endParaRPr sz="800">
-                        <a:solidFill>
-                          <a:srgbClr val="000000"/>
-                        </a:solidFill>
-                      </a:endParaRPr>
-                    </a:p>
-                  </a:txBody>
-                  <a:tcPr marL="91450" marR="91450" marT="45725" marB="45725" anchor="ctr">
-                    <a:lnL w="12700" cap="flat" cmpd="sng">
-                      <a:solidFill>
-                        <a:srgbClr val="FFFFFF"/>
-                      </a:solidFill>
-                      <a:prstDash val="solid"/>
-                      <a:round/>
-                      <a:headEnd type="none" w="sm" len="sm"/>
-                      <a:tailEnd type="none" w="sm" len="sm"/>
-                    </a:lnL>
-                    <a:lnR w="12700" cap="flat" cmpd="sng">
-                      <a:solidFill>
-                        <a:srgbClr val="FFFFFF"/>
-                      </a:solidFill>
-                      <a:prstDash val="solid"/>
-                      <a:round/>
-                      <a:headEnd type="none" w="sm" len="sm"/>
-                      <a:tailEnd type="none" w="sm" len="sm"/>
-                    </a:lnR>
-                    <a:lnT w="12700" cap="flat" cmpd="sng">
-                      <a:solidFill>
-                        <a:srgbClr val="FFFFFF"/>
-                      </a:solidFill>
-                      <a:prstDash val="solid"/>
-                      <a:round/>
-                      <a:headEnd type="none" w="sm" len="sm"/>
-                      <a:tailEnd type="none" w="sm" len="sm"/>
-                    </a:lnT>
-                    <a:lnB w="12700" cap="flat" cmpd="sng">
-                      <a:solidFill>
-                        <a:srgbClr val="FFFFFF"/>
-                      </a:solidFill>
-                      <a:prstDash val="solid"/>
-                      <a:round/>
-                      <a:headEnd type="none" w="sm" len="sm"/>
-                      <a:tailEnd type="none" w="sm" len="sm"/>
-                    </a:lnB>
-                    <a:solidFill>
-                      <a:srgbClr val="C9DAF8"/>
-                    </a:solidFill>
-                  </a:tcPr>
-                </a:tc>
-                <a:tc>
-                  <a:txBody>
-                    <a:bodyPr lIns="91450" tIns="45725" rIns="91450" bIns="45725" anchor="ctr"/>
-                    <a:lstStyle/>
-                    <a:p>
-                      <a:pPr marL="0" indent="0" algn="ctr" rtl="0">
-                        <a:spcBef>
-                          <a:spcPts val="0"/>
-                        </a:spcBef>
-                        <a:spcAft>
-                          <a:spcPts val="0"/>
-                        </a:spcAft>
-                        <a:buNone/>
-                      </a:pPr>
-                      <a:endParaRPr sz="800" b="1" u="none" strike="noStrike" cap="none">
-                        <a:solidFill>
-                          <a:srgbClr val="000000"/>
-                        </a:solidFill>
-                        <a:latin typeface="Calibri"/>
-                        <a:ea typeface="Calibri"/>
-                        <a:cs typeface="Calibri"/>
-                        <a:sym typeface="Calibri"/>
-                      </a:endParaRPr>
-                    </a:p>
-                  </a:txBody>
-                  <a:tcPr marL="91450" marR="91450" marT="45725" marB="45725" anchor="ctr">
-                    <a:lnL w="12700" cap="flat" cmpd="sng">
-                      <a:solidFill>
-                        <a:srgbClr val="FFFFFF"/>
-                      </a:solidFill>
-                      <a:prstDash val="solid"/>
-                      <a:round/>
-                      <a:headEnd type="none" w="sm" len="sm"/>
-                      <a:tailEnd type="none" w="sm" len="sm"/>
-                    </a:lnL>
-                    <a:lnR w="12700" cap="flat" cmpd="sng">
-                      <a:solidFill>
-                        <a:srgbClr val="FFFFFF"/>
-                      </a:solidFill>
-                      <a:prstDash val="solid"/>
-                      <a:round/>
-                      <a:headEnd type="none" w="sm" len="sm"/>
-                      <a:tailEnd type="none" w="sm" len="sm"/>
-                    </a:lnR>
-                    <a:lnT w="12700" cap="flat" cmpd="sng">
-                      <a:solidFill>
-                        <a:srgbClr val="FFFFFF"/>
-                      </a:solidFill>
-                      <a:prstDash val="solid"/>
-                      <a:round/>
-                      <a:headEnd type="none" w="sm" len="sm"/>
-                      <a:tailEnd type="none" w="sm" len="sm"/>
-                    </a:lnT>
-                    <a:lnB w="12700" cap="flat" cmpd="sng">
-                      <a:solidFill>
-                        <a:srgbClr val="FFFFFF"/>
-                      </a:solidFill>
-                      <a:prstDash val="solid"/>
-                      <a:round/>
-                      <a:headEnd type="none" w="sm" len="sm"/>
-                      <a:tailEnd type="none" w="sm" len="sm"/>
-                    </a:lnB>
-                    <a:solidFill>
-                      <a:srgbClr val="C9DAF8"/>
-                    </a:solidFill>
-                  </a:tcPr>
-                </a:tc>
-                <a:tc>
-                  <a:txBody>
-                    <a:bodyPr lIns="91450" tIns="45725" rIns="91450" bIns="45725" anchor="ctr"/>
-                    <a:lstStyle/>
-                    <a:p>
-                      <a:pPr marL="0" marR="0" indent="0" algn="ctr" rtl="0">
-                        <a:spcBef>
-                          <a:spcPts val="0"/>
-                        </a:spcBef>
-                        <a:spcAft>
-                          <a:spcPts val="0"/>
-                        </a:spcAft>
-                        <a:buNone/>
-                      </a:pPr>
-                      <a:endParaRPr sz="800" b="1" u="none" strike="noStrike" cap="none">
-                        <a:solidFill>
-                          <a:srgbClr val="000000"/>
-                        </a:solidFill>
-                      </a:endParaRPr>
-                    </a:p>
-                  </a:txBody>
-                  <a:tcPr marL="91450" marR="91450" marT="45725" marB="45725" anchor="ctr">
-                    <a:lnL w="12700" cap="flat" cmpd="sng">
-                      <a:solidFill>
-                        <a:srgbClr val="FFFFFF"/>
-                      </a:solidFill>
-                      <a:prstDash val="solid"/>
-                      <a:round/>
-                      <a:headEnd type="none" w="sm" len="sm"/>
-                      <a:tailEnd type="none" w="sm" len="sm"/>
-                    </a:lnL>
-                    <a:lnR w="12700" cap="flat" cmpd="sng">
-                      <a:solidFill>
-                        <a:srgbClr val="FFFFFF"/>
-                      </a:solidFill>
-                      <a:prstDash val="solid"/>
-                      <a:round/>
-                      <a:headEnd type="none" w="sm" len="sm"/>
-                      <a:tailEnd type="none" w="sm" len="sm"/>
-                    </a:lnR>
-                    <a:lnT w="12700" cap="flat" cmpd="sng">
-                      <a:solidFill>
-                        <a:srgbClr val="FFFFFF"/>
-                      </a:solidFill>
-                      <a:prstDash val="solid"/>
-                      <a:round/>
-                      <a:headEnd type="none" w="sm" len="sm"/>
-                      <a:tailEnd type="none" w="sm" len="sm"/>
-                    </a:lnT>
-                    <a:lnB w="12700" cap="flat" cmpd="sng">
-                      <a:solidFill>
-                        <a:srgbClr val="FFFFFF"/>
-                      </a:solidFill>
-                      <a:prstDash val="solid"/>
-                      <a:round/>
-                      <a:headEnd type="none" w="sm" len="sm"/>
-                      <a:tailEnd type="none" w="sm" len="sm"/>
-                    </a:lnB>
-                    <a:solidFill>
-                      <a:srgbClr val="3C78D8"/>
-                    </a:solidFill>
-                  </a:tcPr>
-                </a:tc>
-                <a:tc>
-                  <a:txBody>
-                    <a:bodyPr lIns="91450" tIns="45725" rIns="91450" bIns="45725" anchor="ctr"/>
-                    <a:lstStyle/>
-                    <a:p>
-                      <a:pPr marL="0" indent="0" algn="ctr" rtl="0">
-                        <a:spcBef>
-                          <a:spcPts val="0"/>
-                        </a:spcBef>
-                        <a:spcAft>
-                          <a:spcPts val="0"/>
-                        </a:spcAft>
-                        <a:buNone/>
-                      </a:pPr>
-                      <a:endParaRPr sz="800" b="1" u="none" strike="noStrike" cap="none">
-                        <a:solidFill>
-                          <a:srgbClr val="000000"/>
-                        </a:solidFill>
-                        <a:latin typeface="Calibri"/>
-                        <a:ea typeface="Calibri"/>
-                        <a:cs typeface="Calibri"/>
-                        <a:sym typeface="Calibri"/>
-                      </a:endParaRPr>
-                    </a:p>
-                  </a:txBody>
-                  <a:tcPr marL="91450" marR="91450" marT="45725" marB="45725" anchor="ctr">
-                    <a:lnL w="12700" cap="flat" cmpd="sng">
-                      <a:solidFill>
-                        <a:srgbClr val="FFFFFF"/>
-                      </a:solidFill>
-                      <a:prstDash val="solid"/>
-                      <a:round/>
-                      <a:headEnd type="none" w="sm" len="sm"/>
-                      <a:tailEnd type="none" w="sm" len="sm"/>
-                    </a:lnL>
-                    <a:lnR w="12700" cap="flat" cmpd="sng">
-                      <a:solidFill>
-                        <a:srgbClr val="FFFFFF"/>
-                      </a:solidFill>
-                      <a:prstDash val="solid"/>
-                      <a:round/>
-                      <a:headEnd type="none" w="sm" len="sm"/>
-                      <a:tailEnd type="none" w="sm" len="sm"/>
-                    </a:lnR>
-                    <a:lnT w="12700" cap="flat" cmpd="sng">
-                      <a:solidFill>
-                        <a:srgbClr val="FFFFFF"/>
-                      </a:solidFill>
-                      <a:prstDash val="solid"/>
-                      <a:round/>
-                      <a:headEnd type="none" w="sm" len="sm"/>
-                      <a:tailEnd type="none" w="sm" len="sm"/>
-                    </a:lnT>
-                    <a:lnB w="12700" cap="flat" cmpd="sng">
-                      <a:solidFill>
-                        <a:srgbClr val="FFFFFF"/>
-                      </a:solidFill>
-                      <a:prstDash val="solid"/>
-                      <a:round/>
-                      <a:headEnd type="none" w="sm" len="sm"/>
-                      <a:tailEnd type="none" w="sm" len="sm"/>
-                    </a:lnB>
-                    <a:solidFill>
-                      <a:srgbClr val="3C78D8"/>
-                    </a:solidFill>
-                  </a:tcPr>
-                </a:tc>
-                <a:tc>
-                  <a:txBody>
-                    <a:bodyPr lIns="91450" tIns="45725" rIns="91450" bIns="45725" anchor="ctr"/>
-                    <a:lstStyle/>
-                    <a:p>
-                      <a:pPr marL="0" indent="0" algn="l" rtl="0">
-                        <a:spcBef>
-                          <a:spcPts val="0"/>
-                        </a:spcBef>
-                        <a:spcAft>
-                          <a:spcPts val="0"/>
-                        </a:spcAft>
-                        <a:buNone/>
-                      </a:pPr>
-                      <a:endParaRPr sz="800" b="1" u="none" strike="noStrike" cap="none">
-                        <a:solidFill>
-                          <a:srgbClr val="000000"/>
-                        </a:solidFill>
-                        <a:latin typeface="Calibri"/>
-                        <a:ea typeface="Calibri"/>
-                        <a:cs typeface="Calibri"/>
-                        <a:sym typeface="Calibri"/>
-                      </a:endParaRPr>
-                    </a:p>
-                  </a:txBody>
-                  <a:tcPr marL="91450" marR="91450" marT="45725" marB="45725" anchor="ctr">
-                    <a:lnL w="12700" cap="flat" cmpd="sng">
-                      <a:solidFill>
-                        <a:srgbClr val="FFFFFF"/>
-                      </a:solidFill>
-                      <a:prstDash val="solid"/>
-                      <a:round/>
-                      <a:headEnd type="none" w="sm" len="sm"/>
-                      <a:tailEnd type="none" w="sm" len="sm"/>
-                    </a:lnL>
-                    <a:lnR w="12700" cap="flat" cmpd="sng">
-                      <a:solidFill>
-                        <a:srgbClr val="FFFFFF"/>
-                      </a:solidFill>
-                      <a:prstDash val="solid"/>
-                      <a:round/>
-                      <a:headEnd type="none" w="sm" len="sm"/>
-                      <a:tailEnd type="none" w="sm" len="sm"/>
-                    </a:lnR>
-                    <a:lnT w="12700" cap="flat" cmpd="sng">
-                      <a:solidFill>
-                        <a:srgbClr val="FFFFFF"/>
-                      </a:solidFill>
-                      <a:prstDash val="solid"/>
-                      <a:round/>
-                      <a:headEnd type="none" w="sm" len="sm"/>
-                      <a:tailEnd type="none" w="sm" len="sm"/>
-                    </a:lnT>
-                    <a:lnB w="12700" cap="flat" cmpd="sng">
-                      <a:solidFill>
-                        <a:srgbClr val="FFFFFF"/>
-                      </a:solidFill>
-                      <a:prstDash val="solid"/>
-                      <a:round/>
-                      <a:headEnd type="none" w="sm" len="sm"/>
-                      <a:tailEnd type="none" w="sm" len="sm"/>
-                    </a:lnB>
-                    <a:solidFill>
-                      <a:srgbClr val="3C78D8"/>
-                    </a:solidFill>
-                  </a:tcPr>
-                </a:tc>
-                <a:tc>
-                  <a:txBody>
-                    <a:bodyPr lIns="91450" tIns="45725" rIns="91450" bIns="45725" anchor="ctr"/>
-                    <a:lstStyle/>
-                    <a:p>
-                      <a:pPr marL="0" indent="0" algn="ctr" rtl="0">
-                        <a:spcBef>
-                          <a:spcPts val="0"/>
-                        </a:spcBef>
-                        <a:spcAft>
-                          <a:spcPts val="0"/>
-                        </a:spcAft>
-                        <a:buNone/>
-                      </a:pPr>
-                      <a:endParaRPr sz="800" b="1" u="none" strike="noStrike" cap="none">
-                        <a:solidFill>
-                          <a:srgbClr val="000000"/>
-                        </a:solidFill>
-                        <a:latin typeface="Calibri"/>
-                        <a:ea typeface="Calibri"/>
-                        <a:cs typeface="Calibri"/>
-                        <a:sym typeface="Calibri"/>
-                      </a:endParaRPr>
-                    </a:p>
-                  </a:txBody>
-                  <a:tcPr marL="91450" marR="91450" marT="45725" marB="45725" anchor="ctr">
-                    <a:lnL w="12700" cap="flat" cmpd="sng">
-                      <a:solidFill>
-                        <a:srgbClr val="FFFFFF"/>
-                      </a:solidFill>
-                      <a:prstDash val="solid"/>
-                      <a:round/>
-                      <a:headEnd type="none" w="sm" len="sm"/>
-                      <a:tailEnd type="none" w="sm" len="sm"/>
-                    </a:lnL>
-                    <a:lnR w="12700" cap="flat" cmpd="sng">
-                      <a:solidFill>
-                        <a:srgbClr val="FFFFFF"/>
-                      </a:solidFill>
-                      <a:prstDash val="solid"/>
-                      <a:round/>
-                      <a:headEnd type="none" w="sm" len="sm"/>
-                      <a:tailEnd type="none" w="sm" len="sm"/>
-                    </a:lnR>
-                    <a:lnT w="12700" cap="flat" cmpd="sng">
-                      <a:solidFill>
-                        <a:srgbClr val="FFFFFF"/>
-                      </a:solidFill>
-                      <a:prstDash val="solid"/>
-                      <a:round/>
-                      <a:headEnd type="none" w="sm" len="sm"/>
-                      <a:tailEnd type="none" w="sm" len="sm"/>
-                    </a:lnT>
-                    <a:lnB w="12700" cap="flat" cmpd="sng">
-                      <a:solidFill>
-                        <a:srgbClr val="FFFFFF"/>
-                      </a:solidFill>
-                      <a:prstDash val="solid"/>
-                      <a:round/>
-                      <a:headEnd type="none" w="sm" len="sm"/>
-                      <a:tailEnd type="none" w="sm" len="sm"/>
-                    </a:lnB>
-                    <a:solidFill>
-                      <a:srgbClr val="3C78D8"/>
-                    </a:solidFill>
-                  </a:tcPr>
-                </a:tc>
-                <a:tc>
-                  <a:txBody>
-                    <a:bodyPr lIns="91450" tIns="45725" rIns="91450" bIns="45725" anchor="ctr"/>
-                    <a:lstStyle/>
-                    <a:p>
-                      <a:pPr marL="0" indent="0" algn="ctr" rtl="0">
-                        <a:spcBef>
-                          <a:spcPts val="0"/>
-                        </a:spcBef>
-                        <a:spcAft>
-                          <a:spcPts val="0"/>
-                        </a:spcAft>
-                        <a:buNone/>
-                      </a:pPr>
-                      <a:endParaRPr sz="800" b="1">
-                        <a:solidFill>
-                          <a:srgbClr val="000000"/>
-                        </a:solidFill>
-                        <a:latin typeface="Calibri"/>
-                        <a:ea typeface="Calibri"/>
-                        <a:cs typeface="Calibri"/>
-                        <a:sym typeface="Calibri"/>
-                      </a:endParaRPr>
-                    </a:p>
-                  </a:txBody>
-                  <a:tcPr marL="91450" marR="91450" marT="45725" marB="45725" anchor="ctr">
-                    <a:lnL w="12700" cap="flat" cmpd="sng">
-                      <a:solidFill>
-                        <a:srgbClr val="FFFFFF"/>
-                      </a:solidFill>
-                      <a:prstDash val="solid"/>
-                      <a:round/>
-                      <a:headEnd type="none" w="sm" len="sm"/>
-                      <a:tailEnd type="none" w="sm" len="sm"/>
-                    </a:lnL>
-                    <a:lnR w="12700" cap="flat" cmpd="sng">
-                      <a:solidFill>
-                        <a:srgbClr val="FFFFFF"/>
-                      </a:solidFill>
-                      <a:prstDash val="solid"/>
-                      <a:round/>
-                      <a:headEnd type="none" w="sm" len="sm"/>
-                      <a:tailEnd type="none" w="sm" len="sm"/>
-                    </a:lnR>
-                    <a:lnT w="12700" cap="flat" cmpd="sng">
-                      <a:solidFill>
-                        <a:srgbClr val="FFFFFF"/>
-                      </a:solidFill>
-                      <a:prstDash val="solid"/>
-                      <a:round/>
-                      <a:headEnd type="none" w="sm" len="sm"/>
-                      <a:tailEnd type="none" w="sm" len="sm"/>
-                    </a:lnT>
-                    <a:lnB w="12700" cap="flat" cmpd="sng">
-                      <a:solidFill>
-                        <a:srgbClr val="FFFFFF"/>
-                      </a:solidFill>
-                      <a:prstDash val="solid"/>
-                      <a:round/>
-                      <a:headEnd type="none" w="sm" len="sm"/>
-                      <a:tailEnd type="none" w="sm" len="sm"/>
-                    </a:lnB>
-                    <a:solidFill>
-                      <a:srgbClr val="3C78D8"/>
-                    </a:solidFill>
-                  </a:tcPr>
-                </a:tc>
-                <a:tc>
-                  <a:txBody>
-                    <a:bodyPr lIns="91450" tIns="45725" rIns="91450" bIns="45725" anchor="ctr"/>
-                    <a:lstStyle/>
-                    <a:p>
-                      <a:pPr marL="0" marR="0" indent="0" algn="ctr" rtl="0">
-                        <a:spcBef>
-                          <a:spcPts val="0"/>
-                        </a:spcBef>
-                        <a:spcAft>
-                          <a:spcPts val="0"/>
-                        </a:spcAft>
-                        <a:buNone/>
-                      </a:pPr>
-                      <a:endParaRPr sz="800" b="1" u="none" strike="noStrike" cap="none">
-                        <a:solidFill>
-                          <a:srgbClr val="000000"/>
-                        </a:solidFill>
-                      </a:endParaRPr>
-                    </a:p>
-                  </a:txBody>
-                  <a:tcPr marL="91450" marR="91450" marT="45725" marB="45725" anchor="ctr">
-                    <a:lnL w="12700" cap="flat" cmpd="sng">
-                      <a:solidFill>
-                        <a:srgbClr val="FFFFFF"/>
-                      </a:solidFill>
-                      <a:prstDash val="solid"/>
-                      <a:round/>
-                      <a:headEnd type="none" w="sm" len="sm"/>
-                      <a:tailEnd type="none" w="sm" len="sm"/>
-                    </a:lnL>
-                    <a:lnR w="12700" cap="flat" cmpd="sng">
-                      <a:solidFill>
-                        <a:srgbClr val="FFFFFF"/>
-                      </a:solidFill>
-                      <a:prstDash val="solid"/>
-                      <a:round/>
-                      <a:headEnd type="none" w="sm" len="sm"/>
-                      <a:tailEnd type="none" w="sm" len="sm"/>
-                    </a:lnR>
-                    <a:lnT w="12700" cap="flat" cmpd="sng">
-                      <a:solidFill>
-                        <a:srgbClr val="FFFFFF"/>
-                      </a:solidFill>
-                      <a:prstDash val="solid"/>
-                      <a:round/>
-                      <a:headEnd type="none" w="sm" len="sm"/>
-                      <a:tailEnd type="none" w="sm" len="sm"/>
-                    </a:lnT>
-                    <a:lnB w="12700" cap="flat" cmpd="sng">
-                      <a:solidFill>
-                        <a:srgbClr val="FFFFFF"/>
-                      </a:solidFill>
-                      <a:prstDash val="solid"/>
-                      <a:round/>
-                      <a:headEnd type="none" w="sm" len="sm"/>
-                      <a:tailEnd type="none" w="sm" len="sm"/>
-                    </a:lnB>
-                    <a:solidFill>
-                      <a:srgbClr val="3C78D8"/>
-                    </a:solidFill>
-                  </a:tcPr>
-                </a:tc>
-                <a:tc>
-                  <a:txBody>
-                    <a:bodyPr lIns="91450" tIns="45725" rIns="91450" bIns="45725" anchor="ctr"/>
-                    <a:lstStyle/>
-                    <a:p>
-                      <a:pPr marL="0" indent="0" algn="ctr" rtl="0">
-                        <a:spcBef>
-                          <a:spcPts val="0"/>
-                        </a:spcBef>
-                        <a:spcAft>
-                          <a:spcPts val="0"/>
-                        </a:spcAft>
-                        <a:buNone/>
-                      </a:pPr>
-                      <a:endParaRPr sz="800">
-                        <a:latin typeface="Calibri"/>
-                        <a:ea typeface="Calibri"/>
-                        <a:cs typeface="Calibri"/>
-                        <a:sym typeface="Calibri"/>
-                      </a:endParaRPr>
-                    </a:p>
-                  </a:txBody>
-                  <a:tcPr marL="91450" marR="91450" marT="45725" marB="45725" anchor="ctr">
-                    <a:lnL w="12700" cap="flat" cmpd="sng">
-                      <a:solidFill>
-                        <a:srgbClr val="FFFFFF"/>
-                      </a:solidFill>
-                      <a:prstDash val="solid"/>
-                      <a:round/>
-                      <a:headEnd type="none" w="sm" len="sm"/>
-                      <a:tailEnd type="none" w="sm" len="sm"/>
-                    </a:lnL>
-                    <a:lnR w="12700" cap="flat" cmpd="sng">
-                      <a:solidFill>
-                        <a:srgbClr val="FFFFFF"/>
-                      </a:solidFill>
-                      <a:prstDash val="solid"/>
-                      <a:round/>
-                      <a:headEnd type="none" w="sm" len="sm"/>
-                      <a:tailEnd type="none" w="sm" len="sm"/>
-                    </a:lnR>
-                    <a:lnT w="12700" cap="flat" cmpd="sng">
-                      <a:solidFill>
-                        <a:srgbClr val="FFFFFF"/>
-                      </a:solidFill>
-                      <a:prstDash val="solid"/>
-                      <a:round/>
-                      <a:headEnd type="none" w="sm" len="sm"/>
-                      <a:tailEnd type="none" w="sm" len="sm"/>
-                    </a:lnT>
-                    <a:lnB w="12700" cap="flat" cmpd="sng">
-                      <a:solidFill>
-                        <a:srgbClr val="FFFFFF"/>
-                      </a:solidFill>
-                      <a:prstDash val="solid"/>
-                      <a:round/>
-                      <a:headEnd type="none" w="sm" len="sm"/>
-                      <a:tailEnd type="none" w="sm" len="sm"/>
-                    </a:lnB>
-                  </a:tcPr>
-                </a:tc>
-                <a:tc>
-                  <a:txBody>
-                    <a:bodyPr lIns="91450" tIns="45725" rIns="91450" bIns="45725" anchor="ctr"/>
-                    <a:lstStyle/>
-                    <a:p>
-                      <a:pPr marL="0" indent="0" algn="ctr" rtl="0">
-                        <a:spcBef>
-                          <a:spcPts val="0"/>
-                        </a:spcBef>
-                        <a:spcAft>
-                          <a:spcPts val="0"/>
-                        </a:spcAft>
-                        <a:buNone/>
-                      </a:pPr>
-                      <a:endParaRPr sz="800" b="1">
-                        <a:latin typeface="Calibri"/>
-                        <a:ea typeface="Calibri"/>
-                        <a:cs typeface="Calibri"/>
-                        <a:sym typeface="Calibri"/>
-                      </a:endParaRPr>
-                    </a:p>
-                  </a:txBody>
-                  <a:tcPr marL="91450" marR="91450" marT="45725" marB="45725" anchor="ctr">
-                    <a:lnL w="12700" cap="flat" cmpd="sng">
-                      <a:solidFill>
-                        <a:srgbClr val="FFFFFF"/>
-                      </a:solidFill>
-                      <a:prstDash val="solid"/>
-                      <a:round/>
-                      <a:headEnd type="none" w="sm" len="sm"/>
-                      <a:tailEnd type="none" w="sm" len="sm"/>
-                    </a:lnL>
-                    <a:lnR w="12700" cap="flat" cmpd="sng">
-                      <a:solidFill>
-                        <a:srgbClr val="FFFFFF"/>
-                      </a:solidFill>
-                      <a:prstDash val="solid"/>
-                      <a:round/>
-                      <a:headEnd type="none" w="sm" len="sm"/>
-                      <a:tailEnd type="none" w="sm" len="sm"/>
-                    </a:lnR>
-                    <a:lnT w="12700" cap="flat" cmpd="sng">
-                      <a:solidFill>
-                        <a:srgbClr val="FFFFFF"/>
-                      </a:solidFill>
-                      <a:prstDash val="solid"/>
-                      <a:round/>
-                      <a:headEnd type="none" w="sm" len="sm"/>
-                      <a:tailEnd type="none" w="sm" len="sm"/>
-                    </a:lnT>
-                    <a:lnB w="12700" cap="flat" cmpd="sng">
-                      <a:solidFill>
-                        <a:srgbClr val="FFFFFF"/>
-                      </a:solidFill>
-                      <a:prstDash val="solid"/>
-                      <a:round/>
-                      <a:headEnd type="none" w="sm" len="sm"/>
-                      <a:tailEnd type="none" w="sm" len="sm"/>
-                    </a:lnB>
-                    <a:solidFill>
-                      <a:srgbClr val="EAD1DC"/>
-                    </a:solidFill>
-                  </a:tcPr>
-                </a:tc>
-                <a:tc>
-                  <a:txBody>
-                    <a:bodyPr lIns="91450" tIns="45725" rIns="91450" bIns="45725" anchor="ctr"/>
-                    <a:lstStyle/>
-                    <a:p>
-                      <a:pPr marL="0" indent="0" algn="ctr" rtl="0">
-                        <a:spcBef>
-                          <a:spcPts val="0"/>
-                        </a:spcBef>
-                        <a:spcAft>
-                          <a:spcPts val="0"/>
-                        </a:spcAft>
-                        <a:buNone/>
-                      </a:pPr>
-                      <a:endParaRPr sz="800" b="1">
-                        <a:latin typeface="Calibri"/>
-                        <a:ea typeface="Calibri"/>
-                        <a:cs typeface="Calibri"/>
-                        <a:sym typeface="Calibri"/>
-                      </a:endParaRPr>
-                    </a:p>
-                  </a:txBody>
-                  <a:tcPr marL="91450" marR="91450" marT="45725" marB="45725" anchor="ctr">
-                    <a:lnL w="12700" cap="flat" cmpd="sng">
-                      <a:solidFill>
-                        <a:srgbClr val="FFFFFF"/>
-                      </a:solidFill>
-                      <a:prstDash val="solid"/>
-                      <a:round/>
-                      <a:headEnd type="none" w="sm" len="sm"/>
-                      <a:tailEnd type="none" w="sm" len="sm"/>
-                    </a:lnL>
-                    <a:lnR w="12700" cap="flat" cmpd="sng">
-                      <a:solidFill>
-                        <a:srgbClr val="FFFFFF"/>
-                      </a:solidFill>
-                      <a:prstDash val="dot"/>
-                      <a:round/>
-                      <a:headEnd type="none" w="sm" len="sm"/>
-                      <a:tailEnd type="none" w="sm" len="sm"/>
-                    </a:lnR>
-                    <a:lnT w="12700" cap="flat" cmpd="sng">
-                      <a:solidFill>
-                        <a:srgbClr val="FFFFFF"/>
-                      </a:solidFill>
-                      <a:prstDash val="dot"/>
-                      <a:round/>
-                      <a:headEnd type="none" w="sm" len="sm"/>
-                      <a:tailEnd type="none" w="sm" len="sm"/>
-                    </a:lnT>
-                    <a:lnB w="12700" cap="flat" cmpd="sng">
-                      <a:solidFill>
-                        <a:srgbClr val="FFFFFF"/>
-                      </a:solidFill>
-                      <a:prstDash val="solid"/>
-                      <a:round/>
-                      <a:headEnd type="none" w="sm" len="sm"/>
-                      <a:tailEnd type="none" w="sm" len="sm"/>
-                    </a:lnB>
-                    <a:solidFill>
-                      <a:srgbClr val="EAD1DC"/>
-                    </a:solidFill>
-                  </a:tcPr>
-                </a:tc>
-              </a:tr>
-            </a:tbl>
-          </a:graphicData>
-        </a:graphic>
-      </p:graphicFrame>
-      <p:sp>
-        <p:nvSpPr>
-          <p:cNvPr id="146" name="Google Shape;146;p31"/>
-          <p:cNvSpPr/>
-          <p:nvPr/>
-        </p:nvSpPr>
-        <p:spPr>
-          <a:xfrm>
-            <a:off x="368875" y="1254300"/>
-            <a:ext cx="2120100" cy="344400"/>
-          </a:xfrm>
-          <a:prstGeom prst="rect">
-            <a:avLst/>
-          </a:prstGeom>
-          <a:solidFill>
-            <a:srgbClr val="EAD1DC"/>
-          </a:solidFill>
-          <a:ln w="9525" cap="flat" cmpd="sng">
-            <a:solidFill>
-              <a:schemeClr val="dk2"/>
-            </a:solidFill>
-            <a:prstDash val="solid"/>
-            <a:round/>
-            <a:headEnd type="none" w="sm" len="sm"/>
-            <a:tailEnd type="none" w="sm" len="sm"/>
-          </a:ln>
-        </p:spPr>
-        <p:txBody>
-          <a:bodyPr spcFirstLastPara="1" wrap="square" lIns="91425" tIns="91425" rIns="91425" bIns="91425" anchor="ctr">
-            <a:noAutofit/>
-          </a:bodyPr>
-          <a:lstStyle/>
-          <a:p>
-            <a:pPr marL="0" indent="0" algn="ctr" rtl="0">
-              <a:spcBef>
-                <a:spcPts val="0"/>
-              </a:spcBef>
-              <a:spcAft>
-                <a:spcPts val="0"/>
-              </a:spcAft>
-              <a:buNone/>
-            </a:pPr>
-            <a:r>
-              <a:rPr lang="en"/>
-              <a:t>Feature X</a:t>
-            </a:r>
-          </a:p>
-        </p:txBody>
-      </p:sp>
-      <p:sp>
-        <p:nvSpPr>
-          <p:cNvPr id="147" name="Google Shape;147;p31"/>
-          <p:cNvSpPr/>
-          <p:nvPr/>
-        </p:nvSpPr>
-        <p:spPr>
-          <a:xfrm>
-            <a:off x="2347075" y="1689800"/>
-            <a:ext cx="2061300" cy="511500"/>
-          </a:xfrm>
-          <a:prstGeom prst="rect">
-            <a:avLst/>
-          </a:prstGeom>
-          <a:solidFill>
-            <a:srgbClr val="EAD1DC"/>
-          </a:solidFill>
-          <a:ln w="9525" cap="flat" cmpd="sng">
-            <a:solidFill>
-              <a:schemeClr val="dk2"/>
-            </a:solidFill>
-            <a:prstDash val="solid"/>
-            <a:round/>
-            <a:headEnd type="none" w="sm" len="sm"/>
-            <a:tailEnd type="none" w="sm" len="sm"/>
-          </a:ln>
-        </p:spPr>
-        <p:txBody>
-          <a:bodyPr spcFirstLastPara="1" wrap="square" lIns="91425" tIns="91425" rIns="91425" bIns="91425" anchor="ctr">
-            <a:noAutofit/>
-          </a:bodyPr>
-          <a:lstStyle/>
-          <a:p>
-            <a:pPr marL="0" indent="0" algn="ctr" rtl="0">
-              <a:spcBef>
-                <a:spcPts val="0"/>
-              </a:spcBef>
-              <a:spcAft>
-                <a:spcPts val="0"/>
-              </a:spcAft>
-              <a:buNone/>
-            </a:pPr>
-            <a:r>
-              <a:rPr lang="en"/>
-              <a:t>Feature Y</a:t>
-            </a:r>
-          </a:p>
-        </p:txBody>
-      </p:sp>
-      <p:sp>
-        <p:nvSpPr>
-          <p:cNvPr id="148" name="Google Shape;148;p31"/>
-          <p:cNvSpPr/>
-          <p:nvPr/>
-        </p:nvSpPr>
-        <p:spPr>
-          <a:xfrm>
-            <a:off x="2705725" y="2306750"/>
-            <a:ext cx="2120100" cy="344400"/>
-          </a:xfrm>
-          <a:prstGeom prst="rect">
-            <a:avLst/>
-          </a:prstGeom>
-          <a:solidFill>
-            <a:srgbClr val="EAD1DC"/>
-          </a:solidFill>
-          <a:ln w="9525" cap="flat" cmpd="sng">
-            <a:solidFill>
-              <a:schemeClr val="dk2"/>
-            </a:solidFill>
-            <a:prstDash val="solid"/>
-            <a:round/>
-            <a:headEnd type="none" w="sm" len="sm"/>
-            <a:tailEnd type="none" w="sm" len="sm"/>
-          </a:ln>
-        </p:spPr>
-        <p:txBody>
-          <a:bodyPr spcFirstLastPara="1" wrap="square" lIns="91425" tIns="91425" rIns="91425" bIns="91425" anchor="ctr">
-            <a:noAutofit/>
-          </a:bodyPr>
-          <a:lstStyle/>
-          <a:p>
-            <a:pPr marL="0" indent="0" algn="ctr" rtl="0">
-              <a:spcBef>
-                <a:spcPts val="0"/>
-              </a:spcBef>
-              <a:spcAft>
-                <a:spcPts val="0"/>
-              </a:spcAft>
-              <a:buNone/>
-            </a:pPr>
-            <a:r>
-              <a:rPr lang="en"/>
-              <a:t>Feature Z</a:t>
-            </a:r>
+            <a:endParaRPr lang="en"/>
           </a:p>
         </p:txBody>
       </p:sp>
